--- a/Презентация/Урубков Диплом презентация 30052022.pptx
+++ b/Презентация/Урубков Диплом презентация 30052022.pptx
@@ -1,9 +1,12 @@
 
 <file path=ppt/presentation.xml><?xml version="1.0" encoding="utf-8"?>
-<p:presentation xmlns:a="http://schemas.openxmlformats.org/drawingml/2006/main" xmlns:r="http://schemas.openxmlformats.org/officeDocument/2006/relationships" xmlns:p="http://schemas.openxmlformats.org/presentationml/2006/main" saveSubsetFonts="1">
+<p:presentation xmlns:a="http://schemas.openxmlformats.org/drawingml/2006/main" xmlns:r="http://schemas.openxmlformats.org/officeDocument/2006/relationships" xmlns:p="http://schemas.openxmlformats.org/presentationml/2006/main" showSpecialPlsOnTitleSld="0" saveSubsetFonts="1">
   <p:sldMasterIdLst>
     <p:sldMasterId id="2147483696" r:id="rId1"/>
   </p:sldMasterIdLst>
+  <p:notesMasterIdLst>
+    <p:notesMasterId r:id="rId27"/>
+  </p:notesMasterIdLst>
   <p:sldIdLst>
     <p:sldId id="257" r:id="rId2"/>
     <p:sldId id="258" r:id="rId3"/>
@@ -136,6 +139,356 @@
 </p:presentation>
 </file>
 
+<file path=ppt/notesMasters/notesMaster1.xml><?xml version="1.0" encoding="utf-8"?>
+<p:notesMaster xmlns:a="http://schemas.openxmlformats.org/drawingml/2006/main" xmlns:r="http://schemas.openxmlformats.org/officeDocument/2006/relationships" xmlns:p="http://schemas.openxmlformats.org/presentationml/2006/main">
+  <p:cSld>
+    <p:bg>
+      <p:bgRef idx="1001">
+        <a:schemeClr val="bg1"/>
+      </p:bgRef>
+    </p:bg>
+    <p:spTree>
+      <p:nvGrpSpPr>
+        <p:cNvPr id="1" name=""/>
+        <p:cNvGrpSpPr/>
+        <p:nvPr/>
+      </p:nvGrpSpPr>
+      <p:grpSpPr>
+        <a:xfrm>
+          <a:off x="0" y="0"/>
+          <a:ext cx="0" cy="0"/>
+          <a:chOff x="0" y="0"/>
+          <a:chExt cx="0" cy="0"/>
+        </a:xfrm>
+      </p:grpSpPr>
+      <p:sp>
+        <p:nvSpPr>
+          <p:cNvPr id="2" name="Верхний колонтитул 1"/>
+          <p:cNvSpPr>
+            <a:spLocks noGrp="1"/>
+          </p:cNvSpPr>
+          <p:nvPr>
+            <p:ph type="hdr" sz="quarter"/>
+          </p:nvPr>
+        </p:nvSpPr>
+        <p:spPr>
+          <a:xfrm>
+            <a:off x="0" y="0"/>
+            <a:ext cx="2971800" cy="458788"/>
+          </a:xfrm>
+          <a:prstGeom prst="rect">
+            <a:avLst/>
+          </a:prstGeom>
+        </p:spPr>
+        <p:txBody>
+          <a:bodyPr vert="horz" lIns="91440" tIns="45720" rIns="91440" bIns="45720" rtlCol="0"/>
+          <a:lstStyle>
+            <a:lvl1pPr algn="l">
+              <a:defRPr sz="1200"/>
+            </a:lvl1pPr>
+          </a:lstStyle>
+          <a:p>
+            <a:endParaRPr lang="ru-RU"/>
+          </a:p>
+        </p:txBody>
+      </p:sp>
+      <p:sp>
+        <p:nvSpPr>
+          <p:cNvPr id="3" name="Дата 2"/>
+          <p:cNvSpPr>
+            <a:spLocks noGrp="1"/>
+          </p:cNvSpPr>
+          <p:nvPr>
+            <p:ph type="dt" idx="1"/>
+          </p:nvPr>
+        </p:nvSpPr>
+        <p:spPr>
+          <a:xfrm>
+            <a:off x="3884613" y="0"/>
+            <a:ext cx="2971800" cy="458788"/>
+          </a:xfrm>
+          <a:prstGeom prst="rect">
+            <a:avLst/>
+          </a:prstGeom>
+        </p:spPr>
+        <p:txBody>
+          <a:bodyPr vert="horz" lIns="91440" tIns="45720" rIns="91440" bIns="45720" rtlCol="0"/>
+          <a:lstStyle>
+            <a:lvl1pPr algn="r">
+              <a:defRPr sz="1200"/>
+            </a:lvl1pPr>
+          </a:lstStyle>
+          <a:p>
+            <a:fld id="{9F2511DE-8BF1-4EC4-8E23-777DAF028E8B}" type="datetimeFigureOut">
+              <a:rPr lang="ru-RU" smtClean="0"/>
+              <a:t>06.06.2022</a:t>
+            </a:fld>
+            <a:endParaRPr lang="ru-RU"/>
+          </a:p>
+        </p:txBody>
+      </p:sp>
+      <p:sp>
+        <p:nvSpPr>
+          <p:cNvPr id="4" name="Образ слайда 3"/>
+          <p:cNvSpPr>
+            <a:spLocks noGrp="1" noRot="1" noChangeAspect="1"/>
+          </p:cNvSpPr>
+          <p:nvPr>
+            <p:ph type="sldImg" idx="2"/>
+          </p:nvPr>
+        </p:nvSpPr>
+        <p:spPr>
+          <a:xfrm>
+            <a:off x="685800" y="1143000"/>
+            <a:ext cx="5486400" cy="3086100"/>
+          </a:xfrm>
+          <a:prstGeom prst="rect">
+            <a:avLst/>
+          </a:prstGeom>
+          <a:noFill/>
+          <a:ln w="12700">
+            <a:solidFill>
+              <a:prstClr val="black"/>
+            </a:solidFill>
+          </a:ln>
+        </p:spPr>
+        <p:txBody>
+          <a:bodyPr vert="horz" lIns="91440" tIns="45720" rIns="91440" bIns="45720" rtlCol="0" anchor="ctr"/>
+          <a:lstStyle/>
+          <a:p>
+            <a:endParaRPr lang="ru-RU"/>
+          </a:p>
+        </p:txBody>
+      </p:sp>
+      <p:sp>
+        <p:nvSpPr>
+          <p:cNvPr id="5" name="Заметки 4"/>
+          <p:cNvSpPr>
+            <a:spLocks noGrp="1"/>
+          </p:cNvSpPr>
+          <p:nvPr>
+            <p:ph type="body" sz="quarter" idx="3"/>
+          </p:nvPr>
+        </p:nvSpPr>
+        <p:spPr>
+          <a:xfrm>
+            <a:off x="685800" y="4400550"/>
+            <a:ext cx="5486400" cy="3600450"/>
+          </a:xfrm>
+          <a:prstGeom prst="rect">
+            <a:avLst/>
+          </a:prstGeom>
+        </p:spPr>
+        <p:txBody>
+          <a:bodyPr vert="horz" lIns="91440" tIns="45720" rIns="91440" bIns="45720" rtlCol="0"/>
+          <a:lstStyle/>
+          <a:p>
+            <a:pPr lvl="0"/>
+            <a:r>
+              <a:rPr lang="ru-RU" smtClean="0"/>
+              <a:t>Образец текста</a:t>
+            </a:r>
+          </a:p>
+          <a:p>
+            <a:pPr lvl="1"/>
+            <a:r>
+              <a:rPr lang="ru-RU" smtClean="0"/>
+              <a:t>Второй уровень</a:t>
+            </a:r>
+          </a:p>
+          <a:p>
+            <a:pPr lvl="2"/>
+            <a:r>
+              <a:rPr lang="ru-RU" smtClean="0"/>
+              <a:t>Третий уровень</a:t>
+            </a:r>
+          </a:p>
+          <a:p>
+            <a:pPr lvl="3"/>
+            <a:r>
+              <a:rPr lang="ru-RU" smtClean="0"/>
+              <a:t>Четвертый уровень</a:t>
+            </a:r>
+          </a:p>
+          <a:p>
+            <a:pPr lvl="4"/>
+            <a:r>
+              <a:rPr lang="ru-RU" smtClean="0"/>
+              <a:t>Пятый уровень</a:t>
+            </a:r>
+            <a:endParaRPr lang="ru-RU"/>
+          </a:p>
+        </p:txBody>
+      </p:sp>
+      <p:sp>
+        <p:nvSpPr>
+          <p:cNvPr id="6" name="Нижний колонтитул 5"/>
+          <p:cNvSpPr>
+            <a:spLocks noGrp="1"/>
+          </p:cNvSpPr>
+          <p:nvPr>
+            <p:ph type="ftr" sz="quarter" idx="4"/>
+          </p:nvPr>
+        </p:nvSpPr>
+        <p:spPr>
+          <a:xfrm>
+            <a:off x="0" y="8685213"/>
+            <a:ext cx="2971800" cy="458787"/>
+          </a:xfrm>
+          <a:prstGeom prst="rect">
+            <a:avLst/>
+          </a:prstGeom>
+        </p:spPr>
+        <p:txBody>
+          <a:bodyPr vert="horz" lIns="91440" tIns="45720" rIns="91440" bIns="45720" rtlCol="0" anchor="b"/>
+          <a:lstStyle>
+            <a:lvl1pPr algn="l">
+              <a:defRPr sz="1200"/>
+            </a:lvl1pPr>
+          </a:lstStyle>
+          <a:p>
+            <a:endParaRPr lang="ru-RU"/>
+          </a:p>
+        </p:txBody>
+      </p:sp>
+      <p:sp>
+        <p:nvSpPr>
+          <p:cNvPr id="7" name="Номер слайда 6"/>
+          <p:cNvSpPr>
+            <a:spLocks noGrp="1"/>
+          </p:cNvSpPr>
+          <p:nvPr>
+            <p:ph type="sldNum" sz="quarter" idx="5"/>
+          </p:nvPr>
+        </p:nvSpPr>
+        <p:spPr>
+          <a:xfrm>
+            <a:off x="3884613" y="8685213"/>
+            <a:ext cx="2971800" cy="458787"/>
+          </a:xfrm>
+          <a:prstGeom prst="rect">
+            <a:avLst/>
+          </a:prstGeom>
+        </p:spPr>
+        <p:txBody>
+          <a:bodyPr vert="horz" lIns="91440" tIns="45720" rIns="91440" bIns="45720" rtlCol="0" anchor="b"/>
+          <a:lstStyle>
+            <a:lvl1pPr algn="r">
+              <a:defRPr sz="1200"/>
+            </a:lvl1pPr>
+          </a:lstStyle>
+          <a:p>
+            <a:fld id="{3AB73F14-7192-400F-8431-DBB42420A986}" type="slidenum">
+              <a:rPr lang="ru-RU" smtClean="0"/>
+              <a:t>‹#›</a:t>
+            </a:fld>
+            <a:endParaRPr lang="ru-RU"/>
+          </a:p>
+        </p:txBody>
+      </p:sp>
+    </p:spTree>
+    <p:extLst>
+      <p:ext uri="{BB962C8B-B14F-4D97-AF65-F5344CB8AC3E}">
+        <p14:creationId xmlns:p14="http://schemas.microsoft.com/office/powerpoint/2010/main" val="1916193051"/>
+      </p:ext>
+    </p:extLst>
+  </p:cSld>
+  <p:clrMap bg1="lt1" tx1="dk1" bg2="lt2" tx2="dk2" accent1="accent1" accent2="accent2" accent3="accent3" accent4="accent4" accent5="accent5" accent6="accent6" hlink="hlink" folHlink="folHlink"/>
+  <p:notesStyle>
+    <a:lvl1pPr marL="0" algn="l" defTabSz="914400" rtl="0" eaLnBrk="1" latinLnBrk="0" hangingPunct="1">
+      <a:defRPr sz="1200" kern="1200">
+        <a:solidFill>
+          <a:schemeClr val="tx1"/>
+        </a:solidFill>
+        <a:latin typeface="+mn-lt"/>
+        <a:ea typeface="+mn-ea"/>
+        <a:cs typeface="+mn-cs"/>
+      </a:defRPr>
+    </a:lvl1pPr>
+    <a:lvl2pPr marL="457200" algn="l" defTabSz="914400" rtl="0" eaLnBrk="1" latinLnBrk="0" hangingPunct="1">
+      <a:defRPr sz="1200" kern="1200">
+        <a:solidFill>
+          <a:schemeClr val="tx1"/>
+        </a:solidFill>
+        <a:latin typeface="+mn-lt"/>
+        <a:ea typeface="+mn-ea"/>
+        <a:cs typeface="+mn-cs"/>
+      </a:defRPr>
+    </a:lvl2pPr>
+    <a:lvl3pPr marL="914400" algn="l" defTabSz="914400" rtl="0" eaLnBrk="1" latinLnBrk="0" hangingPunct="1">
+      <a:defRPr sz="1200" kern="1200">
+        <a:solidFill>
+          <a:schemeClr val="tx1"/>
+        </a:solidFill>
+        <a:latin typeface="+mn-lt"/>
+        <a:ea typeface="+mn-ea"/>
+        <a:cs typeface="+mn-cs"/>
+      </a:defRPr>
+    </a:lvl3pPr>
+    <a:lvl4pPr marL="1371600" algn="l" defTabSz="914400" rtl="0" eaLnBrk="1" latinLnBrk="0" hangingPunct="1">
+      <a:defRPr sz="1200" kern="1200">
+        <a:solidFill>
+          <a:schemeClr val="tx1"/>
+        </a:solidFill>
+        <a:latin typeface="+mn-lt"/>
+        <a:ea typeface="+mn-ea"/>
+        <a:cs typeface="+mn-cs"/>
+      </a:defRPr>
+    </a:lvl4pPr>
+    <a:lvl5pPr marL="1828800" algn="l" defTabSz="914400" rtl="0" eaLnBrk="1" latinLnBrk="0" hangingPunct="1">
+      <a:defRPr sz="1200" kern="1200">
+        <a:solidFill>
+          <a:schemeClr val="tx1"/>
+        </a:solidFill>
+        <a:latin typeface="+mn-lt"/>
+        <a:ea typeface="+mn-ea"/>
+        <a:cs typeface="+mn-cs"/>
+      </a:defRPr>
+    </a:lvl5pPr>
+    <a:lvl6pPr marL="2286000" algn="l" defTabSz="914400" rtl="0" eaLnBrk="1" latinLnBrk="0" hangingPunct="1">
+      <a:defRPr sz="1200" kern="1200">
+        <a:solidFill>
+          <a:schemeClr val="tx1"/>
+        </a:solidFill>
+        <a:latin typeface="+mn-lt"/>
+        <a:ea typeface="+mn-ea"/>
+        <a:cs typeface="+mn-cs"/>
+      </a:defRPr>
+    </a:lvl6pPr>
+    <a:lvl7pPr marL="2743200" algn="l" defTabSz="914400" rtl="0" eaLnBrk="1" latinLnBrk="0" hangingPunct="1">
+      <a:defRPr sz="1200" kern="1200">
+        <a:solidFill>
+          <a:schemeClr val="tx1"/>
+        </a:solidFill>
+        <a:latin typeface="+mn-lt"/>
+        <a:ea typeface="+mn-ea"/>
+        <a:cs typeface="+mn-cs"/>
+      </a:defRPr>
+    </a:lvl7pPr>
+    <a:lvl8pPr marL="3200400" algn="l" defTabSz="914400" rtl="0" eaLnBrk="1" latinLnBrk="0" hangingPunct="1">
+      <a:defRPr sz="1200" kern="1200">
+        <a:solidFill>
+          <a:schemeClr val="tx1"/>
+        </a:solidFill>
+        <a:latin typeface="+mn-lt"/>
+        <a:ea typeface="+mn-ea"/>
+        <a:cs typeface="+mn-cs"/>
+      </a:defRPr>
+    </a:lvl8pPr>
+    <a:lvl9pPr marL="3657600" algn="l" defTabSz="914400" rtl="0" eaLnBrk="1" latinLnBrk="0" hangingPunct="1">
+      <a:defRPr sz="1200" kern="1200">
+        <a:solidFill>
+          <a:schemeClr val="tx1"/>
+        </a:solidFill>
+        <a:latin typeface="+mn-lt"/>
+        <a:ea typeface="+mn-ea"/>
+        <a:cs typeface="+mn-cs"/>
+      </a:defRPr>
+    </a:lvl9pPr>
+  </p:notesStyle>
+</p:notesMaster>
+</file>
+
 <file path=ppt/slideLayouts/slideLayout1.xml><?xml version="1.0" encoding="utf-8"?>
 <p:sldLayout xmlns:a="http://schemas.openxmlformats.org/drawingml/2006/main" xmlns:r="http://schemas.openxmlformats.org/officeDocument/2006/relationships" xmlns:p="http://schemas.openxmlformats.org/presentationml/2006/main" type="title" preserve="1">
   <p:cSld name="Титульный слайд">
@@ -320,9 +673,9 @@
           <a:bodyPr/>
           <a:lstStyle/>
           <a:p>
-            <a:fld id="{62039D10-B407-417D-B9A7-5ABFBCE35229}" type="datetimeFigureOut">
-              <a:rPr lang="ru-RU" smtClean="0"/>
-              <a:t>01.06.2022</a:t>
+            <a:fld id="{B27F7B2C-8EA9-44AA-9979-828C8FCC1435}" type="datetime1">
+              <a:rPr lang="ru-RU" smtClean="0"/>
+              <a:t>06.06.2022</a:t>
             </a:fld>
             <a:endParaRPr lang="ru-RU"/>
           </a:p>
@@ -595,9 +948,9 @@
           <a:bodyPr/>
           <a:lstStyle/>
           <a:p>
-            <a:fld id="{62039D10-B407-417D-B9A7-5ABFBCE35229}" type="datetimeFigureOut">
-              <a:rPr lang="ru-RU" smtClean="0"/>
-              <a:t>01.06.2022</a:t>
+            <a:fld id="{1F974E36-3ED1-488B-8BED-7CF777A2D4B3}" type="datetime1">
+              <a:rPr lang="ru-RU" smtClean="0"/>
+              <a:t>06.06.2022</a:t>
             </a:fld>
             <a:endParaRPr lang="ru-RU"/>
           </a:p>
@@ -789,9 +1142,9 @@
           <a:bodyPr/>
           <a:lstStyle/>
           <a:p>
-            <a:fld id="{62039D10-B407-417D-B9A7-5ABFBCE35229}" type="datetimeFigureOut">
-              <a:rPr lang="ru-RU" smtClean="0"/>
-              <a:t>01.06.2022</a:t>
+            <a:fld id="{FD7FB319-1B4C-48BB-AF14-E319E3AFC76C}" type="datetime1">
+              <a:rPr lang="ru-RU" smtClean="0"/>
+              <a:t>06.06.2022</a:t>
             </a:fld>
             <a:endParaRPr lang="ru-RU"/>
           </a:p>
@@ -1062,9 +1415,9 @@
           <a:bodyPr/>
           <a:lstStyle/>
           <a:p>
-            <a:fld id="{62039D10-B407-417D-B9A7-5ABFBCE35229}" type="datetimeFigureOut">
-              <a:rPr lang="ru-RU" smtClean="0"/>
-              <a:t>01.06.2022</a:t>
+            <a:fld id="{EB027290-2D65-48CF-ABA8-3992D6E93BD3}" type="datetime1">
+              <a:rPr lang="ru-RU" smtClean="0"/>
+              <a:t>06.06.2022</a:t>
             </a:fld>
             <a:endParaRPr lang="ru-RU"/>
           </a:p>
@@ -1403,9 +1756,9 @@
           <a:bodyPr/>
           <a:lstStyle/>
           <a:p>
-            <a:fld id="{62039D10-B407-417D-B9A7-5ABFBCE35229}" type="datetimeFigureOut">
-              <a:rPr lang="ru-RU" smtClean="0"/>
-              <a:t>01.06.2022</a:t>
+            <a:fld id="{BE76091A-BC6F-46E7-947F-29B11670D475}" type="datetime1">
+              <a:rPr lang="ru-RU" smtClean="0"/>
+              <a:t>06.06.2022</a:t>
             </a:fld>
             <a:endParaRPr lang="ru-RU"/>
           </a:p>
@@ -2026,9 +2379,9 @@
           <a:bodyPr/>
           <a:lstStyle/>
           <a:p>
-            <a:fld id="{62039D10-B407-417D-B9A7-5ABFBCE35229}" type="datetimeFigureOut">
-              <a:rPr lang="ru-RU" smtClean="0"/>
-              <a:t>01.06.2022</a:t>
+            <a:fld id="{F58D8F41-9A22-4AAD-9D67-64A877C172CE}" type="datetime1">
+              <a:rPr lang="ru-RU" smtClean="0"/>
+              <a:t>06.06.2022</a:t>
             </a:fld>
             <a:endParaRPr lang="ru-RU"/>
           </a:p>
@@ -2886,9 +3239,9 @@
           <a:bodyPr/>
           <a:lstStyle/>
           <a:p>
-            <a:fld id="{62039D10-B407-417D-B9A7-5ABFBCE35229}" type="datetimeFigureOut">
-              <a:rPr lang="ru-RU" smtClean="0"/>
-              <a:t>01.06.2022</a:t>
+            <a:fld id="{5156D7F6-5361-4DA9-9056-84E0CE899866}" type="datetime1">
+              <a:rPr lang="ru-RU" smtClean="0"/>
+              <a:t>06.06.2022</a:t>
             </a:fld>
             <a:endParaRPr lang="ru-RU"/>
           </a:p>
@@ -3056,9 +3409,9 @@
           <a:bodyPr/>
           <a:lstStyle/>
           <a:p>
-            <a:fld id="{62039D10-B407-417D-B9A7-5ABFBCE35229}" type="datetimeFigureOut">
-              <a:rPr lang="ru-RU" smtClean="0"/>
-              <a:t>01.06.2022</a:t>
+            <a:fld id="{FB15AC8C-F3D8-4D96-AD49-E2BF9E6F60D8}" type="datetime1">
+              <a:rPr lang="ru-RU" smtClean="0"/>
+              <a:t>06.06.2022</a:t>
             </a:fld>
             <a:endParaRPr lang="ru-RU"/>
           </a:p>
@@ -3236,9 +3589,9 @@
           <a:bodyPr/>
           <a:lstStyle/>
           <a:p>
-            <a:fld id="{62039D10-B407-417D-B9A7-5ABFBCE35229}" type="datetimeFigureOut">
-              <a:rPr lang="ru-RU" smtClean="0"/>
-              <a:t>01.06.2022</a:t>
+            <a:fld id="{50830933-386D-44AA-A4AD-3F6D0363F962}" type="datetime1">
+              <a:rPr lang="ru-RU" smtClean="0"/>
+              <a:t>06.06.2022</a:t>
             </a:fld>
             <a:endParaRPr lang="ru-RU"/>
           </a:p>
@@ -3406,9 +3759,9 @@
           <a:bodyPr/>
           <a:lstStyle/>
           <a:p>
-            <a:fld id="{62039D10-B407-417D-B9A7-5ABFBCE35229}" type="datetimeFigureOut">
-              <a:rPr lang="ru-RU" smtClean="0"/>
-              <a:t>01.06.2022</a:t>
+            <a:fld id="{B8941EF9-C0BA-40CA-AAEA-5F446B400D7A}" type="datetime1">
+              <a:rPr lang="ru-RU" smtClean="0"/>
+              <a:t>06.06.2022</a:t>
             </a:fld>
             <a:endParaRPr lang="ru-RU"/>
           </a:p>
@@ -3653,9 +4006,9 @@
           <a:bodyPr/>
           <a:lstStyle/>
           <a:p>
-            <a:fld id="{62039D10-B407-417D-B9A7-5ABFBCE35229}" type="datetimeFigureOut">
-              <a:rPr lang="ru-RU" smtClean="0"/>
-              <a:t>01.06.2022</a:t>
+            <a:fld id="{C0FBB2A5-6009-49AF-932A-73E018197862}" type="datetime1">
+              <a:rPr lang="ru-RU" smtClean="0"/>
+              <a:t>06.06.2022</a:t>
             </a:fld>
             <a:endParaRPr lang="ru-RU"/>
           </a:p>
@@ -3945,9 +4298,9 @@
           <a:bodyPr/>
           <a:lstStyle/>
           <a:p>
-            <a:fld id="{62039D10-B407-417D-B9A7-5ABFBCE35229}" type="datetimeFigureOut">
-              <a:rPr lang="ru-RU" smtClean="0"/>
-              <a:t>01.06.2022</a:t>
+            <a:fld id="{EC708556-F677-4E45-A96D-FD03AC1E6EF6}" type="datetime1">
+              <a:rPr lang="ru-RU" smtClean="0"/>
+              <a:t>06.06.2022</a:t>
             </a:fld>
             <a:endParaRPr lang="ru-RU"/>
           </a:p>
@@ -4389,9 +4742,9 @@
           <a:bodyPr/>
           <a:lstStyle/>
           <a:p>
-            <a:fld id="{62039D10-B407-417D-B9A7-5ABFBCE35229}" type="datetimeFigureOut">
-              <a:rPr lang="ru-RU" smtClean="0"/>
-              <a:t>01.06.2022</a:t>
+            <a:fld id="{E597CC9A-1870-49C5-BC58-8774BA84C8BD}" type="datetime1">
+              <a:rPr lang="ru-RU" smtClean="0"/>
+              <a:t>06.06.2022</a:t>
             </a:fld>
             <a:endParaRPr lang="ru-RU"/>
           </a:p>
@@ -4507,9 +4860,9 @@
           <a:bodyPr/>
           <a:lstStyle/>
           <a:p>
-            <a:fld id="{62039D10-B407-417D-B9A7-5ABFBCE35229}" type="datetimeFigureOut">
-              <a:rPr lang="ru-RU" smtClean="0"/>
-              <a:t>01.06.2022</a:t>
+            <a:fld id="{C109DF4D-CE1F-41CC-B50C-5701D28C1A88}" type="datetime1">
+              <a:rPr lang="ru-RU" smtClean="0"/>
+              <a:t>06.06.2022</a:t>
             </a:fld>
             <a:endParaRPr lang="ru-RU"/>
           </a:p>
@@ -4602,9 +4955,9 @@
           <a:bodyPr/>
           <a:lstStyle/>
           <a:p>
-            <a:fld id="{62039D10-B407-417D-B9A7-5ABFBCE35229}" type="datetimeFigureOut">
-              <a:rPr lang="ru-RU" smtClean="0"/>
-              <a:t>01.06.2022</a:t>
+            <a:fld id="{B2D98D96-1348-4901-8D10-2F4384CBE24F}" type="datetime1">
+              <a:rPr lang="ru-RU" smtClean="0"/>
+              <a:t>06.06.2022</a:t>
             </a:fld>
             <a:endParaRPr lang="ru-RU"/>
           </a:p>
@@ -4881,9 +5234,9 @@
           <a:bodyPr/>
           <a:lstStyle/>
           <a:p>
-            <a:fld id="{62039D10-B407-417D-B9A7-5ABFBCE35229}" type="datetimeFigureOut">
-              <a:rPr lang="ru-RU" smtClean="0"/>
-              <a:t>01.06.2022</a:t>
+            <a:fld id="{8DE946D6-0331-400A-AEC8-B7CF0E30CE8E}" type="datetime1">
+              <a:rPr lang="ru-RU" smtClean="0"/>
+              <a:t>06.06.2022</a:t>
             </a:fld>
             <a:endParaRPr lang="ru-RU"/>
           </a:p>
@@ -5156,9 +5509,9 @@
           <a:bodyPr/>
           <a:lstStyle/>
           <a:p>
-            <a:fld id="{62039D10-B407-417D-B9A7-5ABFBCE35229}" type="datetimeFigureOut">
-              <a:rPr lang="ru-RU" smtClean="0"/>
-              <a:t>01.06.2022</a:t>
+            <a:fld id="{A21F585F-AEB2-4368-A083-3210C40AA047}" type="datetime1">
+              <a:rPr lang="ru-RU" smtClean="0"/>
+              <a:t>06.06.2022</a:t>
             </a:fld>
             <a:endParaRPr lang="ru-RU"/>
           </a:p>
@@ -5585,9 +5938,9 @@
             </a:lvl1pPr>
           </a:lstStyle>
           <a:p>
-            <a:fld id="{62039D10-B407-417D-B9A7-5ABFBCE35229}" type="datetimeFigureOut">
-              <a:rPr lang="ru-RU" smtClean="0"/>
-              <a:t>01.06.2022</a:t>
+            <a:fld id="{ED3CD2E4-735C-4B65-91E6-E46F3C88CBEC}" type="datetime1">
+              <a:rPr lang="ru-RU" smtClean="0"/>
+              <a:t>06.06.2022</a:t>
             </a:fld>
             <a:endParaRPr lang="ru-RU"/>
           </a:p>
@@ -5699,6 +6052,7 @@
     <p:sldLayoutId id="2147483712" r:id="rId16"/>
     <p:sldLayoutId id="2147483713" r:id="rId17"/>
   </p:sldLayoutIdLst>
+  <p:hf hdr="0" ftr="0" dt="0"/>
   <p:txStyles>
     <p:titleStyle>
       <a:lvl1pPr algn="l" defTabSz="457200" rtl="0" eaLnBrk="1" latinLnBrk="0" hangingPunct="1">
@@ -7251,6 +7605,7 @@
           <a:bodyPr/>
           <a:lstStyle/>
           <a:p>
+            <a:pPr algn="ctr"/>
             <a:r>
               <a:rPr lang="ru-RU" dirty="0" smtClean="0"/>
               <a:t>Лексико-семантический словарь</a:t>
@@ -7259,15 +7614,105 @@
           </a:p>
         </p:txBody>
       </p:sp>
+      <p:sp>
+        <p:nvSpPr>
+          <p:cNvPr id="5" name="TextBox 4"/>
+          <p:cNvSpPr txBox="1"/>
+          <p:nvPr/>
+        </p:nvSpPr>
+        <p:spPr>
+          <a:xfrm>
+            <a:off x="344405" y="1605420"/>
+            <a:ext cx="5118931" cy="2677656"/>
+          </a:xfrm>
+          <a:prstGeom prst="rect">
+            <a:avLst/>
+          </a:prstGeom>
+          <a:noFill/>
+        </p:spPr>
+        <p:txBody>
+          <a:bodyPr wrap="square" rtlCol="0">
+            <a:spAutoFit/>
+          </a:bodyPr>
+          <a:lstStyle/>
+          <a:p>
+            <a:r>
+              <a:rPr lang="ru-RU" sz="2400" dirty="0" smtClean="0"/>
+              <a:t>Содержит семантические значения лексем и фреймов.</a:t>
+            </a:r>
+          </a:p>
+          <a:p>
+            <a:endParaRPr lang="ru-RU" sz="2400" dirty="0" smtClean="0"/>
+          </a:p>
+          <a:p>
+            <a:r>
+              <a:rPr lang="ru-RU" sz="2400" dirty="0" smtClean="0"/>
+              <a:t>Типы семантических значений:</a:t>
+            </a:r>
+          </a:p>
+          <a:p>
+            <a:pPr marL="342900" indent="-342900">
+              <a:buFont typeface="Arial" panose="020B0604020202020204" pitchFamily="34" charset="0"/>
+              <a:buChar char="•"/>
+            </a:pPr>
+            <a:r>
+              <a:rPr lang="ru-RU" sz="2400" dirty="0" smtClean="0"/>
+              <a:t>Основное значение</a:t>
+            </a:r>
+          </a:p>
+          <a:p>
+            <a:pPr marL="342900" indent="-342900">
+              <a:buFont typeface="Arial" panose="020B0604020202020204" pitchFamily="34" charset="0"/>
+              <a:buChar char="•"/>
+            </a:pPr>
+            <a:r>
+              <a:rPr lang="ru-RU" sz="2400" dirty="0" smtClean="0"/>
+              <a:t>Дополнительное значение</a:t>
+            </a:r>
+          </a:p>
+          <a:p>
+            <a:pPr marL="342900" indent="-342900">
+              <a:buFont typeface="Arial" panose="020B0604020202020204" pitchFamily="34" charset="0"/>
+              <a:buChar char="•"/>
+            </a:pPr>
+            <a:r>
+              <a:rPr lang="ru-RU" sz="2400" dirty="0" smtClean="0"/>
+              <a:t>Значение фрейма </a:t>
+            </a:r>
+            <a:endParaRPr lang="ru-RU" sz="2400" dirty="0"/>
+          </a:p>
+        </p:txBody>
+      </p:sp>
+      <p:sp>
+        <p:nvSpPr>
+          <p:cNvPr id="3" name="Номер слайда 2"/>
+          <p:cNvSpPr>
+            <a:spLocks noGrp="1"/>
+          </p:cNvSpPr>
+          <p:nvPr>
+            <p:ph type="sldNum" sz="quarter" idx="12"/>
+          </p:nvPr>
+        </p:nvSpPr>
+        <p:spPr/>
+        <p:txBody>
+          <a:bodyPr/>
+          <a:lstStyle/>
+          <a:p>
+            <a:fld id="{35DCFCFD-657C-416B-ADF3-64C51752C72C}" type="slidenum">
+              <a:rPr lang="ru-RU" smtClean="0"/>
+              <a:t>10</a:t>
+            </a:fld>
+            <a:endParaRPr lang="ru-RU"/>
+          </a:p>
+        </p:txBody>
+      </p:sp>
       <p:pic>
         <p:nvPicPr>
-          <p:cNvPr id="4" name="Объект 3"/>
+          <p:cNvPr id="7" name="Рисунок 6"/>
           <p:cNvPicPr>
-            <a:picLocks noGrp="1" noChangeAspect="1"/>
+            <a:picLocks noChangeAspect="1"/>
           </p:cNvPicPr>
-          <p:nvPr>
-            <p:ph idx="1"/>
-          </p:nvPr>
+          <p:nvPr/>
         </p:nvPicPr>
         <p:blipFill>
           <a:blip r:embed="rId2">
@@ -7283,80 +7728,14 @@
         </p:blipFill>
         <p:spPr>
           <a:xfrm>
-            <a:off x="6445725" y="1853248"/>
-            <a:ext cx="4774221" cy="4195762"/>
-          </a:xfrm>
-        </p:spPr>
-      </p:pic>
-      <p:sp>
-        <p:nvSpPr>
-          <p:cNvPr id="5" name="TextBox 4"/>
-          <p:cNvSpPr txBox="1"/>
-          <p:nvPr/>
-        </p:nvSpPr>
-        <p:spPr>
-          <a:xfrm>
-            <a:off x="863125" y="1853248"/>
-            <a:ext cx="5118931" cy="2677656"/>
+            <a:off x="5490717" y="1342402"/>
+            <a:ext cx="6372225" cy="5181600"/>
           </a:xfrm>
           <a:prstGeom prst="rect">
             <a:avLst/>
           </a:prstGeom>
-          <a:noFill/>
         </p:spPr>
-        <p:txBody>
-          <a:bodyPr wrap="square" rtlCol="0">
-            <a:spAutoFit/>
-          </a:bodyPr>
-          <a:lstStyle/>
-          <a:p>
-            <a:r>
-              <a:rPr lang="ru-RU" sz="2400" dirty="0" smtClean="0"/>
-              <a:t>Содержит семантические значения лексем и фреймов.</a:t>
-            </a:r>
-          </a:p>
-          <a:p>
-            <a:endParaRPr lang="ru-RU" sz="2400" dirty="0" smtClean="0"/>
-          </a:p>
-          <a:p>
-            <a:r>
-              <a:rPr lang="ru-RU" sz="2400" dirty="0" smtClean="0"/>
-              <a:t>Типы семантических значений:</a:t>
-            </a:r>
-          </a:p>
-          <a:p>
-            <a:pPr marL="342900" indent="-342900">
-              <a:buFont typeface="Arial" panose="020B0604020202020204" pitchFamily="34" charset="0"/>
-              <a:buChar char="•"/>
-            </a:pPr>
-            <a:r>
-              <a:rPr lang="ru-RU" sz="2400" dirty="0" smtClean="0"/>
-              <a:t>Основное значение</a:t>
-            </a:r>
-          </a:p>
-          <a:p>
-            <a:pPr marL="342900" indent="-342900">
-              <a:buFont typeface="Arial" panose="020B0604020202020204" pitchFamily="34" charset="0"/>
-              <a:buChar char="•"/>
-            </a:pPr>
-            <a:r>
-              <a:rPr lang="ru-RU" sz="2400" dirty="0" smtClean="0"/>
-              <a:t>Дополнительное значение</a:t>
-            </a:r>
-          </a:p>
-          <a:p>
-            <a:pPr marL="342900" indent="-342900">
-              <a:buFont typeface="Arial" panose="020B0604020202020204" pitchFamily="34" charset="0"/>
-              <a:buChar char="•"/>
-            </a:pPr>
-            <a:r>
-              <a:rPr lang="ru-RU" sz="2400" dirty="0" smtClean="0"/>
-              <a:t>Значение фрейма </a:t>
-            </a:r>
-            <a:endParaRPr lang="ru-RU" sz="2400" dirty="0"/>
-          </a:p>
-        </p:txBody>
-      </p:sp>
+      </p:pic>
     </p:spTree>
     <p:extLst>
       <p:ext uri="{BB962C8B-B14F-4D97-AF65-F5344CB8AC3E}">
@@ -7409,6 +7788,7 @@
           <a:bodyPr/>
           <a:lstStyle/>
           <a:p>
+            <a:pPr algn="ctr"/>
             <a:r>
               <a:rPr lang="ru-RU" dirty="0" smtClean="0"/>
               <a:t>Словарь предложных фреймов</a:t>
@@ -7450,9 +7830,32 @@
           </a:p>
         </p:txBody>
       </p:sp>
+      <p:sp>
+        <p:nvSpPr>
+          <p:cNvPr id="5" name="Номер слайда 4"/>
+          <p:cNvSpPr>
+            <a:spLocks noGrp="1"/>
+          </p:cNvSpPr>
+          <p:nvPr>
+            <p:ph type="sldNum" sz="quarter" idx="12"/>
+          </p:nvPr>
+        </p:nvSpPr>
+        <p:spPr/>
+        <p:txBody>
+          <a:bodyPr/>
+          <a:lstStyle/>
+          <a:p>
+            <a:fld id="{35DCFCFD-657C-416B-ADF3-64C51752C72C}" type="slidenum">
+              <a:rPr lang="ru-RU" smtClean="0"/>
+              <a:t>11</a:t>
+            </a:fld>
+            <a:endParaRPr lang="ru-RU"/>
+          </a:p>
+        </p:txBody>
+      </p:sp>
       <p:pic>
         <p:nvPicPr>
-          <p:cNvPr id="4" name="Рисунок 3"/>
+          <p:cNvPr id="6" name="Рисунок 5"/>
           <p:cNvPicPr>
             <a:picLocks noChangeAspect="1"/>
           </p:cNvPicPr>
@@ -7472,8 +7875,8 @@
         </p:blipFill>
         <p:spPr>
           <a:xfrm>
-            <a:off x="5143067" y="1420176"/>
-            <a:ext cx="6640904" cy="4731242"/>
+            <a:off x="5018206" y="1415132"/>
+            <a:ext cx="6753225" cy="4200525"/>
           </a:xfrm>
           <a:prstGeom prst="rect">
             <a:avLst/>
@@ -7830,6 +8233,29 @@
           </a:p>
         </p:txBody>
       </p:sp>
+      <p:sp>
+        <p:nvSpPr>
+          <p:cNvPr id="5" name="Номер слайда 4"/>
+          <p:cNvSpPr>
+            <a:spLocks noGrp="1"/>
+          </p:cNvSpPr>
+          <p:nvPr>
+            <p:ph type="sldNum" sz="quarter" idx="12"/>
+          </p:nvPr>
+        </p:nvSpPr>
+        <p:spPr/>
+        <p:txBody>
+          <a:bodyPr/>
+          <a:lstStyle/>
+          <a:p>
+            <a:fld id="{35DCFCFD-657C-416B-ADF3-64C51752C72C}" type="slidenum">
+              <a:rPr lang="ru-RU" smtClean="0"/>
+              <a:t>12</a:t>
+            </a:fld>
+            <a:endParaRPr lang="ru-RU"/>
+          </a:p>
+        </p:txBody>
+      </p:sp>
     </p:spTree>
     <p:extLst>
       <p:ext uri="{BB962C8B-B14F-4D97-AF65-F5344CB8AC3E}">
@@ -7986,6 +8412,29 @@
           </a:p>
         </p:txBody>
       </p:sp>
+      <p:sp>
+        <p:nvSpPr>
+          <p:cNvPr id="4" name="Номер слайда 3"/>
+          <p:cNvSpPr>
+            <a:spLocks noGrp="1"/>
+          </p:cNvSpPr>
+          <p:nvPr>
+            <p:ph type="sldNum" sz="quarter" idx="12"/>
+          </p:nvPr>
+        </p:nvSpPr>
+        <p:spPr/>
+        <p:txBody>
+          <a:bodyPr/>
+          <a:lstStyle/>
+          <a:p>
+            <a:fld id="{35DCFCFD-657C-416B-ADF3-64C51752C72C}" type="slidenum">
+              <a:rPr lang="ru-RU" smtClean="0"/>
+              <a:t>13</a:t>
+            </a:fld>
+            <a:endParaRPr lang="ru-RU"/>
+          </a:p>
+        </p:txBody>
+      </p:sp>
     </p:spTree>
     <p:extLst>
       <p:ext uri="{BB962C8B-B14F-4D97-AF65-F5344CB8AC3E}">
@@ -8568,6 +9017,29 @@
                 </a:solidFill>
               </a:ln>
             </a:endParaRPr>
+          </a:p>
+        </p:txBody>
+      </p:sp>
+      <p:sp>
+        <p:nvSpPr>
+          <p:cNvPr id="3" name="Номер слайда 2"/>
+          <p:cNvSpPr>
+            <a:spLocks noGrp="1"/>
+          </p:cNvSpPr>
+          <p:nvPr>
+            <p:ph type="sldNum" sz="quarter" idx="12"/>
+          </p:nvPr>
+        </p:nvSpPr>
+        <p:spPr/>
+        <p:txBody>
+          <a:bodyPr/>
+          <a:lstStyle/>
+          <a:p>
+            <a:fld id="{35DCFCFD-657C-416B-ADF3-64C51752C72C}" type="slidenum">
+              <a:rPr lang="ru-RU" smtClean="0"/>
+              <a:t>14</a:t>
+            </a:fld>
+            <a:endParaRPr lang="ru-RU"/>
           </a:p>
         </p:txBody>
       </p:sp>
@@ -8885,6 +9357,29 @@
           </a:graphicData>
         </a:graphic>
       </p:graphicFrame>
+      <p:sp>
+        <p:nvSpPr>
+          <p:cNvPr id="5" name="Номер слайда 4"/>
+          <p:cNvSpPr>
+            <a:spLocks noGrp="1"/>
+          </p:cNvSpPr>
+          <p:nvPr>
+            <p:ph type="sldNum" sz="quarter" idx="12"/>
+          </p:nvPr>
+        </p:nvSpPr>
+        <p:spPr/>
+        <p:txBody>
+          <a:bodyPr/>
+          <a:lstStyle/>
+          <a:p>
+            <a:fld id="{35DCFCFD-657C-416B-ADF3-64C51752C72C}" type="slidenum">
+              <a:rPr lang="ru-RU" smtClean="0"/>
+              <a:t>15</a:t>
+            </a:fld>
+            <a:endParaRPr lang="ru-RU"/>
+          </a:p>
+        </p:txBody>
+      </p:sp>
     </p:spTree>
     <p:extLst>
       <p:ext uri="{BB962C8B-B14F-4D97-AF65-F5344CB8AC3E}">
@@ -9030,6 +9525,29 @@
           </a:prstGeom>
         </p:spPr>
       </p:pic>
+      <p:sp>
+        <p:nvSpPr>
+          <p:cNvPr id="4" name="Номер слайда 3"/>
+          <p:cNvSpPr>
+            <a:spLocks noGrp="1"/>
+          </p:cNvSpPr>
+          <p:nvPr>
+            <p:ph type="sldNum" sz="quarter" idx="12"/>
+          </p:nvPr>
+        </p:nvSpPr>
+        <p:spPr/>
+        <p:txBody>
+          <a:bodyPr/>
+          <a:lstStyle/>
+          <a:p>
+            <a:fld id="{35DCFCFD-657C-416B-ADF3-64C51752C72C}" type="slidenum">
+              <a:rPr lang="ru-RU" smtClean="0"/>
+              <a:t>16</a:t>
+            </a:fld>
+            <a:endParaRPr lang="ru-RU"/>
+          </a:p>
+        </p:txBody>
+      </p:sp>
     </p:spTree>
     <p:extLst>
       <p:ext uri="{BB962C8B-B14F-4D97-AF65-F5344CB8AC3E}">
@@ -9391,6 +9909,29 @@
           </a:graphicData>
         </a:graphic>
       </p:graphicFrame>
+      <p:sp>
+        <p:nvSpPr>
+          <p:cNvPr id="5" name="Номер слайда 4"/>
+          <p:cNvSpPr>
+            <a:spLocks noGrp="1"/>
+          </p:cNvSpPr>
+          <p:nvPr>
+            <p:ph type="sldNum" sz="quarter" idx="12"/>
+          </p:nvPr>
+        </p:nvSpPr>
+        <p:spPr/>
+        <p:txBody>
+          <a:bodyPr/>
+          <a:lstStyle/>
+          <a:p>
+            <a:fld id="{35DCFCFD-657C-416B-ADF3-64C51752C72C}" type="slidenum">
+              <a:rPr lang="ru-RU" smtClean="0"/>
+              <a:t>17</a:t>
+            </a:fld>
+            <a:endParaRPr lang="ru-RU"/>
+          </a:p>
+        </p:txBody>
+      </p:sp>
     </p:spTree>
     <p:extLst>
       <p:ext uri="{BB962C8B-B14F-4D97-AF65-F5344CB8AC3E}">
@@ -9485,9 +10026,32 @@
           </a:p>
         </p:txBody>
       </p:sp>
+      <p:sp>
+        <p:nvSpPr>
+          <p:cNvPr id="5" name="Номер слайда 4"/>
+          <p:cNvSpPr>
+            <a:spLocks noGrp="1"/>
+          </p:cNvSpPr>
+          <p:nvPr>
+            <p:ph type="sldNum" sz="quarter" idx="12"/>
+          </p:nvPr>
+        </p:nvSpPr>
+        <p:spPr/>
+        <p:txBody>
+          <a:bodyPr/>
+          <a:lstStyle/>
+          <a:p>
+            <a:fld id="{35DCFCFD-657C-416B-ADF3-64C51752C72C}" type="slidenum">
+              <a:rPr lang="ru-RU" smtClean="0"/>
+              <a:t>18</a:t>
+            </a:fld>
+            <a:endParaRPr lang="ru-RU"/>
+          </a:p>
+        </p:txBody>
+      </p:sp>
       <p:pic>
         <p:nvPicPr>
-          <p:cNvPr id="4" name="Рисунок 3"/>
+          <p:cNvPr id="6" name="Рисунок 5"/>
           <p:cNvPicPr>
             <a:picLocks noChangeAspect="1"/>
           </p:cNvPicPr>
@@ -9507,8 +10071,8 @@
         </p:blipFill>
         <p:spPr>
           <a:xfrm>
-            <a:off x="6857133" y="1517996"/>
-            <a:ext cx="3625216" cy="4833621"/>
+            <a:off x="7134358" y="1853248"/>
+            <a:ext cx="3949537" cy="4424839"/>
           </a:xfrm>
           <a:prstGeom prst="rect">
             <a:avLst/>
@@ -9644,6 +10208,29 @@
           </a:p>
         </p:txBody>
       </p:sp>
+      <p:sp>
+        <p:nvSpPr>
+          <p:cNvPr id="4" name="Номер слайда 3"/>
+          <p:cNvSpPr>
+            <a:spLocks noGrp="1"/>
+          </p:cNvSpPr>
+          <p:nvPr>
+            <p:ph type="sldNum" sz="quarter" idx="12"/>
+          </p:nvPr>
+        </p:nvSpPr>
+        <p:spPr/>
+        <p:txBody>
+          <a:bodyPr/>
+          <a:lstStyle/>
+          <a:p>
+            <a:fld id="{35DCFCFD-657C-416B-ADF3-64C51752C72C}" type="slidenum">
+              <a:rPr lang="ru-RU" smtClean="0"/>
+              <a:t>19</a:t>
+            </a:fld>
+            <a:endParaRPr lang="ru-RU"/>
+          </a:p>
+        </p:txBody>
+      </p:sp>
     </p:spTree>
     <p:extLst>
       <p:ext uri="{BB962C8B-B14F-4D97-AF65-F5344CB8AC3E}">
@@ -9740,7 +10327,25 @@
               <a:rPr lang="ru-RU" sz="2800" dirty="0" smtClean="0">
                 <a:latin typeface="Century Gothic (Заголовки)"/>
               </a:rPr>
-              <a:t>Необходимо реализовать семантически-ориентированный естественно-языковой (русскоязычный) интерфейс для взаимодействия с системой взаимосвязанных открытых данных.</a:t>
+              <a:t>Необходимо </a:t>
+            </a:r>
+            <a:r>
+              <a:rPr lang="ru-RU" sz="2800" dirty="0" smtClean="0">
+                <a:latin typeface="Century Gothic (Заголовки)"/>
+              </a:rPr>
+              <a:t>разработать</a:t>
+            </a:r>
+            <a:r>
+              <a:rPr lang="ru-RU" sz="2800" dirty="0" smtClean="0">
+                <a:latin typeface="Century Gothic (Заголовки)"/>
+              </a:rPr>
+              <a:t> </a:t>
+            </a:r>
+            <a:r>
+              <a:rPr lang="ru-RU" sz="2800" dirty="0" smtClean="0">
+                <a:latin typeface="Century Gothic (Заголовки)"/>
+              </a:rPr>
+              <a:t>семантически-ориентированный естественно-языковой (русскоязычный) интерфейс для взаимодействия с системой взаимосвязанных открытых данных.</a:t>
             </a:r>
             <a:endParaRPr lang="en-US" sz="2800" dirty="0" smtClean="0">
               <a:latin typeface="Century Gothic (Заголовки)"/>
@@ -9756,8 +10361,17 @@
               <a:rPr lang="ru-RU" sz="2800" dirty="0" smtClean="0">
                 <a:latin typeface="Century Gothic (Заголовки)"/>
               </a:rPr>
-              <a:t>Для этого необходимо:</a:t>
-            </a:r>
+              <a:t>Для этого </a:t>
+            </a:r>
+            <a:r>
+              <a:rPr lang="ru-RU" sz="2800" dirty="0" smtClean="0">
+                <a:latin typeface="Century Gothic (Заголовки)"/>
+              </a:rPr>
+              <a:t>требуется:</a:t>
+            </a:r>
+            <a:endParaRPr lang="ru-RU" sz="2800" dirty="0" smtClean="0">
+              <a:latin typeface="Century Gothic (Заголовки)"/>
+            </a:endParaRPr>
           </a:p>
           <a:p>
             <a:pPr marL="457200" indent="-457200">
@@ -9786,7 +10400,42 @@
               <a:rPr lang="ru-RU" sz="2800" dirty="0" smtClean="0">
                 <a:latin typeface="Century Gothic (Заголовки)"/>
               </a:rPr>
-              <a:t>азработать алгоритмы для реализации преобразования «ЕЯ-запрос → </a:t>
+              <a:t>азработать </a:t>
+            </a:r>
+            <a:r>
+              <a:rPr lang="ru-RU" sz="2800" dirty="0" smtClean="0">
+                <a:latin typeface="Century Gothic (Заголовки)"/>
+              </a:rPr>
+              <a:t>алгоритм </a:t>
+            </a:r>
+            <a:r>
+              <a:rPr lang="ru-RU" sz="2800" dirty="0" smtClean="0">
+                <a:latin typeface="Century Gothic (Заголовки)"/>
+              </a:rPr>
+              <a:t>для реализации преобразования </a:t>
+            </a:r>
+            <a:r>
+              <a:rPr lang="ru-RU" sz="2800" dirty="0" smtClean="0">
+                <a:latin typeface="Century Gothic (Заголовки)"/>
+              </a:rPr>
+              <a:t/>
+            </a:r>
+            <a:br>
+              <a:rPr lang="ru-RU" sz="2800" dirty="0" smtClean="0">
+                <a:latin typeface="Century Gothic (Заголовки)"/>
+              </a:rPr>
+            </a:br>
+            <a:r>
+              <a:rPr lang="ru-RU" sz="2800" dirty="0" smtClean="0">
+                <a:latin typeface="Century Gothic (Заголовки)"/>
+              </a:rPr>
+              <a:t>«</a:t>
+            </a:r>
+            <a:r>
+              <a:rPr lang="ru-RU" sz="2800" dirty="0" smtClean="0">
+                <a:latin typeface="Century Gothic (Заголовки)"/>
+              </a:rPr>
+              <a:t>ЕЯ-запрос → </a:t>
             </a:r>
             <a:r>
               <a:rPr lang="en-US" sz="2800" dirty="0" smtClean="0">
@@ -9803,6 +10452,29 @@
             <a:endParaRPr lang="ru-RU" sz="2800" dirty="0">
               <a:latin typeface="Century Gothic (Заголовки)"/>
             </a:endParaRPr>
+          </a:p>
+        </p:txBody>
+      </p:sp>
+      <p:sp>
+        <p:nvSpPr>
+          <p:cNvPr id="4" name="Номер слайда 3"/>
+          <p:cNvSpPr>
+            <a:spLocks noGrp="1"/>
+          </p:cNvSpPr>
+          <p:nvPr>
+            <p:ph type="sldNum" sz="quarter" idx="12"/>
+          </p:nvPr>
+        </p:nvSpPr>
+        <p:spPr/>
+        <p:txBody>
+          <a:bodyPr/>
+          <a:lstStyle/>
+          <a:p>
+            <a:fld id="{35DCFCFD-657C-416B-ADF3-64C51752C72C}" type="slidenum">
+              <a:rPr lang="ru-RU" smtClean="0"/>
+              <a:t>2</a:t>
+            </a:fld>
+            <a:endParaRPr lang="ru-RU"/>
           </a:p>
         </p:txBody>
       </p:sp>
@@ -10135,6 +10807,29 @@
               <a:t> ?var2 .</a:t>
             </a:r>
             <a:endParaRPr lang="ru-RU" sz="2400" dirty="0"/>
+          </a:p>
+        </p:txBody>
+      </p:sp>
+      <p:sp>
+        <p:nvSpPr>
+          <p:cNvPr id="8" name="Номер слайда 7"/>
+          <p:cNvSpPr>
+            <a:spLocks noGrp="1"/>
+          </p:cNvSpPr>
+          <p:nvPr>
+            <p:ph type="sldNum" sz="quarter" idx="12"/>
+          </p:nvPr>
+        </p:nvSpPr>
+        <p:spPr/>
+        <p:txBody>
+          <a:bodyPr/>
+          <a:lstStyle/>
+          <a:p>
+            <a:fld id="{35DCFCFD-657C-416B-ADF3-64C51752C72C}" type="slidenum">
+              <a:rPr lang="ru-RU" smtClean="0"/>
+              <a:t>20</a:t>
+            </a:fld>
+            <a:endParaRPr lang="ru-RU"/>
           </a:p>
         </p:txBody>
       </p:sp>
@@ -10913,6 +11608,29 @@
           </p:txBody>
         </p:sp>
       </p:grpSp>
+      <p:sp>
+        <p:nvSpPr>
+          <p:cNvPr id="3" name="Номер слайда 2"/>
+          <p:cNvSpPr>
+            <a:spLocks noGrp="1"/>
+          </p:cNvSpPr>
+          <p:nvPr>
+            <p:ph type="sldNum" sz="quarter" idx="12"/>
+          </p:nvPr>
+        </p:nvSpPr>
+        <p:spPr/>
+        <p:txBody>
+          <a:bodyPr/>
+          <a:lstStyle/>
+          <a:p>
+            <a:fld id="{35DCFCFD-657C-416B-ADF3-64C51752C72C}" type="slidenum">
+              <a:rPr lang="ru-RU" smtClean="0"/>
+              <a:t>21</a:t>
+            </a:fld>
+            <a:endParaRPr lang="ru-RU"/>
+          </a:p>
+        </p:txBody>
+      </p:sp>
     </p:spTree>
     <p:extLst>
       <p:ext uri="{BB962C8B-B14F-4D97-AF65-F5344CB8AC3E}">
@@ -11231,6 +11949,29 @@
           </a:p>
         </p:txBody>
       </p:sp>
+      <p:sp>
+        <p:nvSpPr>
+          <p:cNvPr id="3" name="Номер слайда 2"/>
+          <p:cNvSpPr>
+            <a:spLocks noGrp="1"/>
+          </p:cNvSpPr>
+          <p:nvPr>
+            <p:ph type="sldNum" sz="quarter" idx="12"/>
+          </p:nvPr>
+        </p:nvSpPr>
+        <p:spPr/>
+        <p:txBody>
+          <a:bodyPr/>
+          <a:lstStyle/>
+          <a:p>
+            <a:fld id="{35DCFCFD-657C-416B-ADF3-64C51752C72C}" type="slidenum">
+              <a:rPr lang="ru-RU" smtClean="0"/>
+              <a:t>22</a:t>
+            </a:fld>
+            <a:endParaRPr lang="ru-RU"/>
+          </a:p>
+        </p:txBody>
+      </p:sp>
     </p:spTree>
     <p:extLst>
       <p:ext uri="{BB962C8B-B14F-4D97-AF65-F5344CB8AC3E}">
@@ -11327,11 +12068,7 @@
             </a:r>
             <a:r>
               <a:rPr lang="ru-RU" sz="2600" dirty="0" smtClean="0"/>
-              <a:t>программной реализации приложения </a:t>
-            </a:r>
-            <a:r>
-              <a:rPr lang="ru-RU" sz="2600" dirty="0" smtClean="0"/>
-              <a:t>был</a:t>
+              <a:t>программной реализации приложения был</a:t>
             </a:r>
             <a:r>
               <a:rPr lang="ru-RU" sz="2600" dirty="0"/>
@@ -11339,11 +12076,7 @@
             </a:r>
             <a:r>
               <a:rPr lang="ru-RU" sz="2600" dirty="0" smtClean="0"/>
-              <a:t> выбраны </a:t>
-            </a:r>
-            <a:r>
-              <a:rPr lang="ru-RU" sz="2600" dirty="0" smtClean="0"/>
-              <a:t>платформа </a:t>
+              <a:t> выбраны платформа </a:t>
             </a:r>
             <a:r>
               <a:rPr lang="ru-RU" sz="2600" b="1" dirty="0" smtClean="0"/>
@@ -11381,7 +12114,6 @@
               <a:rPr lang="ru-RU" sz="2600" dirty="0" smtClean="0"/>
               <a:t>.</a:t>
             </a:r>
-            <a:endParaRPr lang="ru-RU" sz="2600" dirty="0" smtClean="0"/>
           </a:p>
           <a:p>
             <a:pPr marL="0" indent="0">
@@ -11445,6 +12177,30 @@
               <a:rPr lang="ru-RU" sz="2600" dirty="0" smtClean="0"/>
               <a:t>,</a:t>
             </a:r>
+            <a:endParaRPr lang="en-US" sz="2600" dirty="0" smtClean="0"/>
+          </a:p>
+          <a:p>
+            <a:r>
+              <a:rPr lang="en-US" sz="2600" b="1" dirty="0"/>
+              <a:t>WPF</a:t>
+            </a:r>
+            <a:r>
+              <a:rPr lang="en-US" sz="2600" dirty="0"/>
+              <a:t> </a:t>
+            </a:r>
+            <a:r>
+              <a:rPr lang="ru-RU" sz="2600" dirty="0"/>
+              <a:t>(оконное приложение</a:t>
+            </a:r>
+            <a:r>
+              <a:rPr lang="ru-RU" sz="2600" dirty="0" smtClean="0"/>
+              <a:t>)</a:t>
+            </a:r>
+            <a:r>
+              <a:rPr lang="en-US" sz="2600" dirty="0" smtClean="0"/>
+              <a:t>,</a:t>
+            </a:r>
+            <a:endParaRPr lang="en-US" sz="2600" dirty="0"/>
           </a:p>
           <a:p>
             <a:r>
@@ -11479,29 +12235,46 @@
             </a:r>
             <a:r>
               <a:rPr lang="ru-RU" sz="2600" dirty="0" smtClean="0"/>
-              <a:t>-запросов),</a:t>
-            </a:r>
-          </a:p>
-          <a:p>
-            <a:r>
-              <a:rPr lang="en-US" sz="2600" b="1" dirty="0" smtClean="0"/>
-              <a:t>WPF</a:t>
+              <a:t>-запросов</a:t>
+            </a:r>
+            <a:r>
+              <a:rPr lang="ru-RU" sz="2600" dirty="0" smtClean="0"/>
+              <a:t>)</a:t>
             </a:r>
             <a:r>
               <a:rPr lang="en-US" sz="2600" dirty="0" smtClean="0"/>
-              <a:t> </a:t>
-            </a:r>
-            <a:r>
-              <a:rPr lang="ru-RU" sz="2600" dirty="0" smtClean="0"/>
-              <a:t>(оконное приложение)</a:t>
-            </a:r>
-            <a:endParaRPr lang="en-US" sz="2600" dirty="0" smtClean="0"/>
+              <a:t>.</a:t>
+            </a:r>
+            <a:endParaRPr lang="ru-RU" sz="2600" dirty="0" smtClean="0"/>
           </a:p>
           <a:p>
             <a:pPr marL="0" indent="0">
               <a:buNone/>
             </a:pPr>
             <a:endParaRPr lang="ru-RU" dirty="0" smtClean="0"/>
+          </a:p>
+        </p:txBody>
+      </p:sp>
+      <p:sp>
+        <p:nvSpPr>
+          <p:cNvPr id="4" name="Номер слайда 3"/>
+          <p:cNvSpPr>
+            <a:spLocks noGrp="1"/>
+          </p:cNvSpPr>
+          <p:nvPr>
+            <p:ph type="sldNum" sz="quarter" idx="12"/>
+          </p:nvPr>
+        </p:nvSpPr>
+        <p:spPr/>
+        <p:txBody>
+          <a:bodyPr/>
+          <a:lstStyle/>
+          <a:p>
+            <a:fld id="{35DCFCFD-657C-416B-ADF3-64C51752C72C}" type="slidenum">
+              <a:rPr lang="ru-RU" smtClean="0"/>
+              <a:t>23</a:t>
+            </a:fld>
+            <a:endParaRPr lang="ru-RU"/>
           </a:p>
         </p:txBody>
       </p:sp>
@@ -11566,15 +12339,36 @@
           </a:p>
         </p:txBody>
       </p:sp>
+      <p:sp>
+        <p:nvSpPr>
+          <p:cNvPr id="3" name="Номер слайда 2"/>
+          <p:cNvSpPr>
+            <a:spLocks noGrp="1"/>
+          </p:cNvSpPr>
+          <p:nvPr>
+            <p:ph type="sldNum" sz="quarter" idx="12"/>
+          </p:nvPr>
+        </p:nvSpPr>
+        <p:spPr/>
+        <p:txBody>
+          <a:bodyPr/>
+          <a:lstStyle/>
+          <a:p>
+            <a:fld id="{35DCFCFD-657C-416B-ADF3-64C51752C72C}" type="slidenum">
+              <a:rPr lang="ru-RU" smtClean="0"/>
+              <a:t>24</a:t>
+            </a:fld>
+            <a:endParaRPr lang="ru-RU"/>
+          </a:p>
+        </p:txBody>
+      </p:sp>
       <p:pic>
         <p:nvPicPr>
-          <p:cNvPr id="4" name="Объект 3"/>
+          <p:cNvPr id="6" name="Рисунок 5"/>
           <p:cNvPicPr>
-            <a:picLocks noGrp="1"/>
+            <a:picLocks noChangeAspect="1"/>
           </p:cNvPicPr>
-          <p:nvPr>
-            <p:ph idx="1"/>
-          </p:nvPr>
+          <p:nvPr/>
         </p:nvPicPr>
         <p:blipFill>
           <a:blip r:embed="rId2"/>
@@ -11584,12 +12378,17 @@
         </p:blipFill>
         <p:spPr>
           <a:xfrm>
-            <a:off x="1385650" y="1410056"/>
-            <a:ext cx="8665184" cy="4872527"/>
+            <a:off x="818170" y="1324237"/>
+            <a:ext cx="10693015" cy="4606543"/>
           </a:xfrm>
           <a:prstGeom prst="rect">
             <a:avLst/>
           </a:prstGeom>
+          <a:ln>
+            <a:solidFill>
+              <a:schemeClr val="tx1"/>
+            </a:solidFill>
+          </a:ln>
         </p:spPr>
       </p:pic>
     </p:spTree>
@@ -11711,7 +12510,11 @@
           <a:p>
             <a:r>
               <a:rPr lang="ru-RU" sz="2400" dirty="0" smtClean="0"/>
-              <a:t>Разработаны алгоритмы для реализации преобразования </a:t>
+              <a:t>Разработан алгоритм </a:t>
+            </a:r>
+            <a:r>
+              <a:rPr lang="ru-RU" sz="2400" dirty="0" smtClean="0"/>
+              <a:t>для реализации преобразования </a:t>
             </a:r>
             <a:br>
               <a:rPr lang="ru-RU" sz="2400" dirty="0" smtClean="0"/>
@@ -11735,6 +12538,29 @@
               <a:t>Предложен принцип преобразования параметров запроса, позволяющий преодолевать проблему неоднозначности имен в онтологии</a:t>
             </a:r>
             <a:endParaRPr lang="ru-RU" sz="2400" dirty="0"/>
+          </a:p>
+        </p:txBody>
+      </p:sp>
+      <p:sp>
+        <p:nvSpPr>
+          <p:cNvPr id="4" name="Номер слайда 3"/>
+          <p:cNvSpPr>
+            <a:spLocks noGrp="1"/>
+          </p:cNvSpPr>
+          <p:nvPr>
+            <p:ph type="sldNum" sz="quarter" idx="12"/>
+          </p:nvPr>
+        </p:nvSpPr>
+        <p:spPr/>
+        <p:txBody>
+          <a:bodyPr/>
+          <a:lstStyle/>
+          <a:p>
+            <a:fld id="{35DCFCFD-657C-416B-ADF3-64C51752C72C}" type="slidenum">
+              <a:rPr lang="ru-RU" smtClean="0"/>
+              <a:t>25</a:t>
+            </a:fld>
+            <a:endParaRPr lang="ru-RU"/>
           </a:p>
         </p:txBody>
       </p:sp>
@@ -11906,6 +12732,29 @@
           </a:prstGeom>
         </p:spPr>
       </p:pic>
+      <p:sp>
+        <p:nvSpPr>
+          <p:cNvPr id="5" name="Номер слайда 4"/>
+          <p:cNvSpPr>
+            <a:spLocks noGrp="1"/>
+          </p:cNvSpPr>
+          <p:nvPr>
+            <p:ph type="sldNum" sz="quarter" idx="12"/>
+          </p:nvPr>
+        </p:nvSpPr>
+        <p:spPr/>
+        <p:txBody>
+          <a:bodyPr/>
+          <a:lstStyle/>
+          <a:p>
+            <a:fld id="{35DCFCFD-657C-416B-ADF3-64C51752C72C}" type="slidenum">
+              <a:rPr lang="ru-RU" smtClean="0"/>
+              <a:t>3</a:t>
+            </a:fld>
+            <a:endParaRPr lang="ru-RU"/>
+          </a:p>
+        </p:txBody>
+      </p:sp>
     </p:spTree>
     <p:extLst>
       <p:ext uri="{BB962C8B-B14F-4D97-AF65-F5344CB8AC3E}">
@@ -11979,7 +12828,7 @@
         </p:nvSpPr>
         <p:spPr>
           <a:xfrm>
-            <a:off x="1104294" y="1595718"/>
+            <a:off x="506089" y="1595718"/>
             <a:ext cx="4658152" cy="4891345"/>
           </a:xfrm>
         </p:spPr>
@@ -12053,14 +12902,37 @@
         </p:blipFill>
         <p:spPr>
           <a:xfrm>
-            <a:off x="6178985" y="1981740"/>
-            <a:ext cx="5629275" cy="3067050"/>
+            <a:off x="5238981" y="1595718"/>
+            <a:ext cx="6654738" cy="3625762"/>
           </a:xfrm>
           <a:prstGeom prst="rect">
             <a:avLst/>
           </a:prstGeom>
         </p:spPr>
       </p:pic>
+      <p:sp>
+        <p:nvSpPr>
+          <p:cNvPr id="4" name="Номер слайда 3"/>
+          <p:cNvSpPr>
+            <a:spLocks noGrp="1"/>
+          </p:cNvSpPr>
+          <p:nvPr>
+            <p:ph type="sldNum" sz="quarter" idx="12"/>
+          </p:nvPr>
+        </p:nvSpPr>
+        <p:spPr/>
+        <p:txBody>
+          <a:bodyPr/>
+          <a:lstStyle/>
+          <a:p>
+            <a:fld id="{35DCFCFD-657C-416B-ADF3-64C51752C72C}" type="slidenum">
+              <a:rPr lang="ru-RU" smtClean="0"/>
+              <a:t>4</a:t>
+            </a:fld>
+            <a:endParaRPr lang="ru-RU"/>
+          </a:p>
+        </p:txBody>
+      </p:sp>
     </p:spTree>
     <p:extLst>
       <p:ext uri="{BB962C8B-B14F-4D97-AF65-F5344CB8AC3E}">
@@ -12176,30 +13048,6 @@
       </p:sp>
       <p:pic>
         <p:nvPicPr>
-          <p:cNvPr id="5" name="Рисунок 4"/>
-          <p:cNvPicPr>
-            <a:picLocks noChangeAspect="1"/>
-          </p:cNvPicPr>
-          <p:nvPr/>
-        </p:nvPicPr>
-        <p:blipFill>
-          <a:blip r:embed="rId2"/>
-          <a:stretch>
-            <a:fillRect/>
-          </a:stretch>
-        </p:blipFill>
-        <p:spPr>
-          <a:xfrm>
-            <a:off x="1104293" y="3077529"/>
-            <a:ext cx="4666667" cy="3485714"/>
-          </a:xfrm>
-          <a:prstGeom prst="rect">
-            <a:avLst/>
-          </a:prstGeom>
-        </p:spPr>
-      </p:pic>
-      <p:pic>
-        <p:nvPicPr>
           <p:cNvPr id="7" name="Рисунок 6"/>
           <p:cNvPicPr>
             <a:picLocks noChangeAspect="1"/>
@@ -12207,20 +13055,294 @@
           <p:nvPr/>
         </p:nvPicPr>
         <p:blipFill rotWithShape="1">
-          <a:blip r:embed="rId3"/>
+          <a:blip r:embed="rId2"/>
           <a:srcRect b="15642"/>
           <a:stretch/>
         </p:blipFill>
         <p:spPr>
           <a:xfrm>
-            <a:off x="7625869" y="3077529"/>
-            <a:ext cx="2618375" cy="3485714"/>
+            <a:off x="7625869" y="3077528"/>
+            <a:ext cx="2726671" cy="3629883"/>
           </a:xfrm>
           <a:prstGeom prst="rect">
             <a:avLst/>
           </a:prstGeom>
         </p:spPr>
       </p:pic>
+      <p:sp>
+        <p:nvSpPr>
+          <p:cNvPr id="4" name="Номер слайда 3"/>
+          <p:cNvSpPr>
+            <a:spLocks noGrp="1"/>
+          </p:cNvSpPr>
+          <p:nvPr>
+            <p:ph type="sldNum" sz="quarter" idx="12"/>
+          </p:nvPr>
+        </p:nvSpPr>
+        <p:spPr/>
+        <p:txBody>
+          <a:bodyPr/>
+          <a:lstStyle/>
+          <a:p>
+            <a:fld id="{35DCFCFD-657C-416B-ADF3-64C51752C72C}" type="slidenum">
+              <a:rPr lang="ru-RU" smtClean="0"/>
+              <a:t>5</a:t>
+            </a:fld>
+            <a:endParaRPr lang="ru-RU"/>
+          </a:p>
+        </p:txBody>
+      </p:sp>
+      <p:sp>
+        <p:nvSpPr>
+          <p:cNvPr id="6" name="TextBox 5"/>
+          <p:cNvSpPr txBox="1"/>
+          <p:nvPr/>
+        </p:nvSpPr>
+        <p:spPr>
+          <a:xfrm>
+            <a:off x="1104293" y="3077529"/>
+            <a:ext cx="5785503" cy="3046988"/>
+          </a:xfrm>
+          <a:prstGeom prst="rect">
+            <a:avLst/>
+          </a:prstGeom>
+          <a:solidFill>
+            <a:schemeClr val="tx1"/>
+          </a:solidFill>
+        </p:spPr>
+        <p:txBody>
+          <a:bodyPr wrap="square" rtlCol="0">
+            <a:spAutoFit/>
+          </a:bodyPr>
+          <a:lstStyle/>
+          <a:p>
+            <a:r>
+              <a:rPr lang="en-US" sz="2400" dirty="0" smtClean="0">
+                <a:solidFill>
+                  <a:schemeClr val="bg1"/>
+                </a:solidFill>
+                <a:latin typeface="Consolas" panose="020B0609020204030204" pitchFamily="49" charset="0"/>
+              </a:rPr>
+              <a:t>SELECT DISTINCT ?name</a:t>
+            </a:r>
+          </a:p>
+          <a:p>
+            <a:r>
+              <a:rPr lang="en-US" sz="2400" dirty="0" smtClean="0">
+                <a:solidFill>
+                  <a:schemeClr val="bg1"/>
+                </a:solidFill>
+                <a:latin typeface="Consolas" panose="020B0609020204030204" pitchFamily="49" charset="0"/>
+              </a:rPr>
+              <a:t>WHERE {</a:t>
+            </a:r>
+          </a:p>
+          <a:p>
+            <a:r>
+              <a:rPr lang="en-US" sz="2400" dirty="0" smtClean="0">
+                <a:solidFill>
+                  <a:schemeClr val="bg1"/>
+                </a:solidFill>
+                <a:latin typeface="Consolas" panose="020B0609020204030204" pitchFamily="49" charset="0"/>
+              </a:rPr>
+              <a:t>    ?town </a:t>
+            </a:r>
+            <a:r>
+              <a:rPr lang="en-US" sz="2400" dirty="0" err="1" smtClean="0">
+                <a:solidFill>
+                  <a:schemeClr val="bg1"/>
+                </a:solidFill>
+                <a:latin typeface="Consolas" panose="020B0609020204030204" pitchFamily="49" charset="0"/>
+              </a:rPr>
+              <a:t>rdf:type</a:t>
+            </a:r>
+            <a:r>
+              <a:rPr lang="en-US" sz="2400" dirty="0" smtClean="0">
+                <a:solidFill>
+                  <a:schemeClr val="bg1"/>
+                </a:solidFill>
+                <a:latin typeface="Consolas" panose="020B0609020204030204" pitchFamily="49" charset="0"/>
+              </a:rPr>
+              <a:t> </a:t>
+            </a:r>
+            <a:r>
+              <a:rPr lang="en-US" sz="2400" dirty="0" err="1" smtClean="0">
+                <a:solidFill>
+                  <a:schemeClr val="bg1"/>
+                </a:solidFill>
+                <a:latin typeface="Consolas" panose="020B0609020204030204" pitchFamily="49" charset="0"/>
+              </a:rPr>
+              <a:t>dbo:City</a:t>
+            </a:r>
+            <a:r>
+              <a:rPr lang="en-US" sz="2400" dirty="0" smtClean="0">
+                <a:solidFill>
+                  <a:schemeClr val="bg1"/>
+                </a:solidFill>
+                <a:latin typeface="Consolas" panose="020B0609020204030204" pitchFamily="49" charset="0"/>
+              </a:rPr>
+              <a:t>.</a:t>
+            </a:r>
+          </a:p>
+          <a:p>
+            <a:r>
+              <a:rPr lang="en-US" sz="2400" dirty="0" smtClean="0">
+                <a:solidFill>
+                  <a:schemeClr val="bg1"/>
+                </a:solidFill>
+                <a:latin typeface="Consolas" panose="020B0609020204030204" pitchFamily="49" charset="0"/>
+              </a:rPr>
+              <a:t>    ?town </a:t>
+            </a:r>
+            <a:r>
+              <a:rPr lang="en-US" sz="2400" dirty="0" err="1" smtClean="0">
+                <a:solidFill>
+                  <a:schemeClr val="bg1"/>
+                </a:solidFill>
+                <a:latin typeface="Consolas" panose="020B0609020204030204" pitchFamily="49" charset="0"/>
+              </a:rPr>
+              <a:t>dbo:country</a:t>
+            </a:r>
+            <a:r>
+              <a:rPr lang="en-US" sz="2400" dirty="0" smtClean="0">
+                <a:solidFill>
+                  <a:schemeClr val="bg1"/>
+                </a:solidFill>
+                <a:latin typeface="Consolas" panose="020B0609020204030204" pitchFamily="49" charset="0"/>
+              </a:rPr>
+              <a:t> </a:t>
+            </a:r>
+            <a:r>
+              <a:rPr lang="en-US" sz="2400" dirty="0" err="1" smtClean="0">
+                <a:solidFill>
+                  <a:schemeClr val="bg1"/>
+                </a:solidFill>
+                <a:latin typeface="Consolas" panose="020B0609020204030204" pitchFamily="49" charset="0"/>
+              </a:rPr>
+              <a:t>dbr:Russia</a:t>
+            </a:r>
+            <a:r>
+              <a:rPr lang="en-US" sz="2400" dirty="0" smtClean="0">
+                <a:solidFill>
+                  <a:schemeClr val="bg1"/>
+                </a:solidFill>
+                <a:latin typeface="Consolas" panose="020B0609020204030204" pitchFamily="49" charset="0"/>
+              </a:rPr>
+              <a:t>.</a:t>
+            </a:r>
+          </a:p>
+          <a:p>
+            <a:endParaRPr lang="en-US" sz="2400" dirty="0">
+              <a:solidFill>
+                <a:schemeClr val="bg1"/>
+              </a:solidFill>
+              <a:latin typeface="Consolas" panose="020B0609020204030204" pitchFamily="49" charset="0"/>
+            </a:endParaRPr>
+          </a:p>
+          <a:p>
+            <a:r>
+              <a:rPr lang="en-US" sz="2400" dirty="0" smtClean="0">
+                <a:solidFill>
+                  <a:schemeClr val="bg1"/>
+                </a:solidFill>
+                <a:latin typeface="Consolas" panose="020B0609020204030204" pitchFamily="49" charset="0"/>
+              </a:rPr>
+              <a:t>    ?town </a:t>
+            </a:r>
+            <a:r>
+              <a:rPr lang="en-US" sz="2400" dirty="0" err="1" smtClean="0">
+                <a:solidFill>
+                  <a:schemeClr val="bg1"/>
+                </a:solidFill>
+                <a:latin typeface="Consolas" panose="020B0609020204030204" pitchFamily="49" charset="0"/>
+              </a:rPr>
+              <a:t>rdfs:label</a:t>
+            </a:r>
+            <a:r>
+              <a:rPr lang="en-US" sz="2400" dirty="0" smtClean="0">
+                <a:solidFill>
+                  <a:schemeClr val="bg1"/>
+                </a:solidFill>
+                <a:latin typeface="Consolas" panose="020B0609020204030204" pitchFamily="49" charset="0"/>
+              </a:rPr>
+              <a:t> ?name.</a:t>
+            </a:r>
+          </a:p>
+          <a:p>
+            <a:r>
+              <a:rPr lang="en-US" sz="2400" dirty="0">
+                <a:solidFill>
+                  <a:schemeClr val="bg1"/>
+                </a:solidFill>
+                <a:latin typeface="Consolas" panose="020B0609020204030204" pitchFamily="49" charset="0"/>
+              </a:rPr>
+              <a:t> </a:t>
+            </a:r>
+            <a:r>
+              <a:rPr lang="en-US" sz="2400" dirty="0" smtClean="0">
+                <a:solidFill>
+                  <a:schemeClr val="bg1"/>
+                </a:solidFill>
+                <a:latin typeface="Consolas" panose="020B0609020204030204" pitchFamily="49" charset="0"/>
+              </a:rPr>
+              <a:t>   FILTER(</a:t>
+            </a:r>
+            <a:r>
+              <a:rPr lang="en-US" sz="2400" dirty="0" err="1" smtClean="0">
+                <a:solidFill>
+                  <a:schemeClr val="bg1"/>
+                </a:solidFill>
+                <a:latin typeface="Consolas" panose="020B0609020204030204" pitchFamily="49" charset="0"/>
+              </a:rPr>
+              <a:t>lang</a:t>
+            </a:r>
+            <a:r>
+              <a:rPr lang="en-US" sz="2400" dirty="0" smtClean="0">
+                <a:solidFill>
+                  <a:schemeClr val="bg1"/>
+                </a:solidFill>
+                <a:latin typeface="Consolas" panose="020B0609020204030204" pitchFamily="49" charset="0"/>
+              </a:rPr>
+              <a:t>(?name) = “</a:t>
+            </a:r>
+            <a:r>
+              <a:rPr lang="en-US" sz="2400" dirty="0" err="1" smtClean="0">
+                <a:solidFill>
+                  <a:schemeClr val="bg1"/>
+                </a:solidFill>
+                <a:latin typeface="Consolas" panose="020B0609020204030204" pitchFamily="49" charset="0"/>
+              </a:rPr>
+              <a:t>ru</a:t>
+            </a:r>
+            <a:r>
+              <a:rPr lang="en-US" sz="2400" dirty="0" smtClean="0">
+                <a:solidFill>
+                  <a:schemeClr val="bg1"/>
+                </a:solidFill>
+                <a:latin typeface="Consolas" panose="020B0609020204030204" pitchFamily="49" charset="0"/>
+              </a:rPr>
+              <a:t>”).</a:t>
+            </a:r>
+          </a:p>
+          <a:p>
+            <a:r>
+              <a:rPr lang="en-US" sz="2400" dirty="0">
+                <a:solidFill>
+                  <a:schemeClr val="bg1"/>
+                </a:solidFill>
+                <a:latin typeface="Consolas" panose="020B0609020204030204" pitchFamily="49" charset="0"/>
+              </a:rPr>
+              <a:t>}</a:t>
+            </a:r>
+            <a:endParaRPr lang="ru-RU" sz="2400" dirty="0">
+              <a:solidFill>
+                <a:schemeClr val="bg1"/>
+              </a:solidFill>
+              <a:latin typeface="Consolas" panose="020B0609020204030204" pitchFamily="49" charset="0"/>
+            </a:endParaRPr>
+          </a:p>
+        </p:txBody>
+      </p:sp>
     </p:spTree>
     <p:extLst>
       <p:ext uri="{BB962C8B-B14F-4D97-AF65-F5344CB8AC3E}">
@@ -12270,7 +13392,7 @@
         </p:nvSpPr>
         <p:spPr>
           <a:xfrm>
-            <a:off x="1205847" y="211177"/>
+            <a:off x="1039710" y="202631"/>
             <a:ext cx="9404723" cy="1400530"/>
           </a:xfrm>
         </p:spPr>
@@ -12286,39 +13408,6 @@
               <a:t>Подходы к описанию семантического представления текстов на естественном языке</a:t>
             </a:r>
             <a:endParaRPr lang="ru-RU" dirty="0"/>
-          </a:p>
-        </p:txBody>
-      </p:sp>
-      <p:sp>
-        <p:nvSpPr>
-          <p:cNvPr id="3" name="Объект 2"/>
-          <p:cNvSpPr>
-            <a:spLocks noGrp="1"/>
-          </p:cNvSpPr>
-          <p:nvPr>
-            <p:ph idx="1"/>
-          </p:nvPr>
-        </p:nvSpPr>
-        <p:spPr>
-          <a:xfrm>
-            <a:off x="97182" y="3338421"/>
-            <a:ext cx="3097752" cy="1788545"/>
-          </a:xfrm>
-        </p:spPr>
-        <p:txBody>
-          <a:bodyPr>
-            <a:normAutofit/>
-          </a:bodyPr>
-          <a:lstStyle/>
-          <a:p>
-            <a:pPr marL="0" indent="0" algn="ctr">
-              <a:buNone/>
-            </a:pPr>
-            <a:r>
-              <a:rPr lang="ru-RU" sz="2800" dirty="0" smtClean="0"/>
-              <a:t>Абстрактное представление смысла</a:t>
-            </a:r>
-            <a:endParaRPr lang="ru-RU" sz="2800" dirty="0"/>
           </a:p>
         </p:txBody>
       </p:sp>
@@ -12847,6 +13936,93 @@
               <a:rPr lang="ru-RU" sz="2800" dirty="0" smtClean="0"/>
               <a:t>Грамматика Монтегю</a:t>
             </a:r>
+          </a:p>
+        </p:txBody>
+      </p:sp>
+      <p:sp>
+        <p:nvSpPr>
+          <p:cNvPr id="6" name="Номер слайда 5"/>
+          <p:cNvSpPr>
+            <a:spLocks noGrp="1"/>
+          </p:cNvSpPr>
+          <p:nvPr>
+            <p:ph type="sldNum" sz="quarter" idx="12"/>
+          </p:nvPr>
+        </p:nvSpPr>
+        <p:spPr/>
+        <p:txBody>
+          <a:bodyPr/>
+          <a:lstStyle/>
+          <a:p>
+            <a:fld id="{35DCFCFD-657C-416B-ADF3-64C51752C72C}" type="slidenum">
+              <a:rPr lang="ru-RU" smtClean="0"/>
+              <a:t>6</a:t>
+            </a:fld>
+            <a:endParaRPr lang="ru-RU"/>
+          </a:p>
+        </p:txBody>
+      </p:sp>
+      <p:sp>
+        <p:nvSpPr>
+          <p:cNvPr id="8" name="TextBox 7"/>
+          <p:cNvSpPr txBox="1"/>
+          <p:nvPr/>
+        </p:nvSpPr>
+        <p:spPr>
+          <a:xfrm>
+            <a:off x="247188" y="3338421"/>
+            <a:ext cx="3281585" cy="1384995"/>
+          </a:xfrm>
+          <a:prstGeom prst="rect">
+            <a:avLst/>
+          </a:prstGeom>
+          <a:noFill/>
+        </p:spPr>
+        <p:txBody>
+          <a:bodyPr wrap="square" rtlCol="0">
+            <a:spAutoFit/>
+          </a:bodyPr>
+          <a:lstStyle/>
+          <a:p>
+            <a:pPr lvl="0" algn="ctr" defTabSz="457200">
+              <a:spcBef>
+                <a:spcPts val="1000"/>
+              </a:spcBef>
+              <a:buClr>
+                <a:srgbClr val="323232">
+                  <a:lumMod val="40000"/>
+                  <a:lumOff val="60000"/>
+                </a:srgbClr>
+              </a:buClr>
+              <a:buSzPct val="80000"/>
+            </a:pPr>
+            <a:r>
+              <a:rPr lang="ru-RU" sz="2800" dirty="0">
+                <a:solidFill>
+                  <a:prstClr val="white"/>
+                </a:solidFill>
+                <a:ea typeface="+mj-ea"/>
+                <a:cs typeface="+mj-cs"/>
+              </a:rPr>
+              <a:t>Абстрактное представление </a:t>
+            </a:r>
+            <a:r>
+              <a:rPr lang="ru-RU" sz="2800" dirty="0" smtClean="0">
+                <a:solidFill>
+                  <a:prstClr val="white"/>
+                </a:solidFill>
+                <a:ea typeface="+mj-ea"/>
+                <a:cs typeface="+mj-cs"/>
+              </a:rPr>
+              <a:t>смысла</a:t>
+            </a:r>
+            <a:endParaRPr lang="ru-RU" sz="2800" dirty="0">
+              <a:solidFill>
+                <a:prstClr val="white"/>
+              </a:solidFill>
+              <a:ea typeface="+mj-ea"/>
+              <a:cs typeface="+mj-cs"/>
+            </a:endParaRPr>
           </a:p>
         </p:txBody>
       </p:sp>
@@ -13329,6 +14505,29 @@
           </a:graphicData>
         </a:graphic>
       </p:graphicFrame>
+      <p:sp>
+        <p:nvSpPr>
+          <p:cNvPr id="2" name="Номер слайда 1"/>
+          <p:cNvSpPr>
+            <a:spLocks noGrp="1"/>
+          </p:cNvSpPr>
+          <p:nvPr>
+            <p:ph type="sldNum" sz="quarter" idx="12"/>
+          </p:nvPr>
+        </p:nvSpPr>
+        <p:spPr/>
+        <p:txBody>
+          <a:bodyPr/>
+          <a:lstStyle/>
+          <a:p>
+            <a:fld id="{35DCFCFD-657C-416B-ADF3-64C51752C72C}" type="slidenum">
+              <a:rPr lang="ru-RU" smtClean="0"/>
+              <a:t>7</a:t>
+            </a:fld>
+            <a:endParaRPr lang="ru-RU"/>
+          </a:p>
+        </p:txBody>
+      </p:sp>
     </p:spTree>
     <p:extLst>
       <p:ext uri="{BB962C8B-B14F-4D97-AF65-F5344CB8AC3E}">
@@ -13436,6 +14635,29 @@
           </a:p>
         </p:txBody>
       </p:sp>
+      <p:sp>
+        <p:nvSpPr>
+          <p:cNvPr id="4" name="Номер слайда 3"/>
+          <p:cNvSpPr>
+            <a:spLocks noGrp="1"/>
+          </p:cNvSpPr>
+          <p:nvPr>
+            <p:ph type="sldNum" sz="quarter" idx="12"/>
+          </p:nvPr>
+        </p:nvSpPr>
+        <p:spPr/>
+        <p:txBody>
+          <a:bodyPr/>
+          <a:lstStyle/>
+          <a:p>
+            <a:fld id="{35DCFCFD-657C-416B-ADF3-64C51752C72C}" type="slidenum">
+              <a:rPr lang="ru-RU" smtClean="0"/>
+              <a:t>8</a:t>
+            </a:fld>
+            <a:endParaRPr lang="ru-RU"/>
+          </a:p>
+        </p:txBody>
+      </p:sp>
     </p:spTree>
     <p:extLst>
       <p:ext uri="{BB962C8B-B14F-4D97-AF65-F5344CB8AC3E}">
@@ -13497,15 +14719,95 @@
           </a:p>
         </p:txBody>
       </p:sp>
+      <p:sp>
+        <p:nvSpPr>
+          <p:cNvPr id="5" name="TextBox 4"/>
+          <p:cNvSpPr txBox="1"/>
+          <p:nvPr/>
+        </p:nvSpPr>
+        <p:spPr>
+          <a:xfrm>
+            <a:off x="467549" y="1853248"/>
+            <a:ext cx="4776400" cy="3785652"/>
+          </a:xfrm>
+          <a:prstGeom prst="rect">
+            <a:avLst/>
+          </a:prstGeom>
+          <a:noFill/>
+        </p:spPr>
+        <p:txBody>
+          <a:bodyPr wrap="square" rtlCol="0">
+            <a:spAutoFit/>
+          </a:bodyPr>
+          <a:lstStyle/>
+          <a:p>
+            <a:r>
+              <a:rPr lang="ru-RU" sz="2400" dirty="0" smtClean="0"/>
+              <a:t>Содержит информацию о лексемах, терминах, а также набор возможных морфологических признаков</a:t>
+            </a:r>
+            <a:r>
+              <a:rPr lang="en-US" sz="2400" dirty="0" smtClean="0"/>
+              <a:t>.</a:t>
+            </a:r>
+          </a:p>
+          <a:p>
+            <a:endParaRPr lang="en-US" sz="2400" dirty="0"/>
+          </a:p>
+          <a:p>
+            <a:r>
+              <a:rPr lang="ru-RU" sz="2400" dirty="0" smtClean="0"/>
+              <a:t>Для определения морфологических признаков используется </a:t>
+            </a:r>
+            <a:r>
+              <a:rPr lang="ru-RU" sz="2400" dirty="0" err="1" smtClean="0"/>
+              <a:t>нейросетевая</a:t>
+            </a:r>
+            <a:r>
+              <a:rPr lang="ru-RU" sz="2400" dirty="0" smtClean="0"/>
+              <a:t> библиотека </a:t>
+            </a:r>
+            <a:r>
+              <a:rPr lang="en-US" sz="2400" dirty="0" err="1" smtClean="0"/>
+              <a:t>DeepMorphy</a:t>
+            </a:r>
+            <a:r>
+              <a:rPr lang="en-US" sz="2400" dirty="0" smtClean="0"/>
+              <a:t>.</a:t>
+            </a:r>
+            <a:endParaRPr lang="ru-RU" sz="2400" dirty="0"/>
+          </a:p>
+        </p:txBody>
+      </p:sp>
+      <p:sp>
+        <p:nvSpPr>
+          <p:cNvPr id="3" name="Номер слайда 2"/>
+          <p:cNvSpPr>
+            <a:spLocks noGrp="1"/>
+          </p:cNvSpPr>
+          <p:nvPr>
+            <p:ph type="sldNum" sz="quarter" idx="12"/>
+          </p:nvPr>
+        </p:nvSpPr>
+        <p:spPr/>
+        <p:txBody>
+          <a:bodyPr/>
+          <a:lstStyle/>
+          <a:p>
+            <a:fld id="{35DCFCFD-657C-416B-ADF3-64C51752C72C}" type="slidenum">
+              <a:rPr lang="ru-RU" smtClean="0"/>
+              <a:t>9</a:t>
+            </a:fld>
+            <a:endParaRPr lang="ru-RU"/>
+          </a:p>
+        </p:txBody>
+      </p:sp>
       <p:pic>
         <p:nvPicPr>
-          <p:cNvPr id="4" name="Объект 3"/>
+          <p:cNvPr id="7" name="Рисунок 6"/>
           <p:cNvPicPr>
-            <a:picLocks noGrp="1" noChangeAspect="1"/>
+            <a:picLocks noChangeAspect="1"/>
           </p:cNvPicPr>
-          <p:nvPr>
-            <p:ph idx="1"/>
-          </p:nvPr>
+          <p:nvPr/>
         </p:nvPicPr>
         <p:blipFill>
           <a:blip r:embed="rId2">
@@ -13521,70 +14823,14 @@
         </p:blipFill>
         <p:spPr>
           <a:xfrm>
-            <a:off x="5834508" y="1853248"/>
-            <a:ext cx="5295900" cy="3533775"/>
-          </a:xfrm>
-        </p:spPr>
-      </p:pic>
-      <p:sp>
-        <p:nvSpPr>
-          <p:cNvPr id="5" name="TextBox 4"/>
-          <p:cNvSpPr txBox="1"/>
-          <p:nvPr/>
-        </p:nvSpPr>
-        <p:spPr>
-          <a:xfrm>
-            <a:off x="852110" y="1853248"/>
-            <a:ext cx="4776400" cy="3785652"/>
+            <a:off x="5628510" y="1886769"/>
+            <a:ext cx="6374760" cy="3718610"/>
           </a:xfrm>
           <a:prstGeom prst="rect">
             <a:avLst/>
           </a:prstGeom>
-          <a:noFill/>
         </p:spPr>
-        <p:txBody>
-          <a:bodyPr wrap="square" rtlCol="0">
-            <a:spAutoFit/>
-          </a:bodyPr>
-          <a:lstStyle/>
-          <a:p>
-            <a:r>
-              <a:rPr lang="ru-RU" sz="2400" dirty="0" smtClean="0"/>
-              <a:t>Содержит информацию о лексемах, терминах, а также набор возможных морфологических признаков</a:t>
-            </a:r>
-            <a:r>
-              <a:rPr lang="en-US" sz="2400" dirty="0" smtClean="0"/>
-              <a:t>.</a:t>
-            </a:r>
-          </a:p>
-          <a:p>
-            <a:endParaRPr lang="en-US" sz="2400" dirty="0"/>
-          </a:p>
-          <a:p>
-            <a:r>
-              <a:rPr lang="ru-RU" sz="2400" dirty="0" smtClean="0"/>
-              <a:t>Для определения морфологических признаков используется </a:t>
-            </a:r>
-            <a:r>
-              <a:rPr lang="ru-RU" sz="2400" dirty="0" err="1" smtClean="0"/>
-              <a:t>нейросетевая</a:t>
-            </a:r>
-            <a:r>
-              <a:rPr lang="ru-RU" sz="2400" dirty="0" smtClean="0"/>
-              <a:t> библиотека </a:t>
-            </a:r>
-            <a:r>
-              <a:rPr lang="en-US" sz="2400" dirty="0" err="1" smtClean="0"/>
-              <a:t>DeepMorphy</a:t>
-            </a:r>
-            <a:r>
-              <a:rPr lang="en-US" sz="2400" dirty="0" smtClean="0"/>
-              <a:t>.</a:t>
-            </a:r>
-            <a:endParaRPr lang="ru-RU" sz="2400" dirty="0"/>
-          </a:p>
-        </p:txBody>
-      </p:sp>
+      </p:pic>
     </p:spTree>
     <p:extLst>
       <p:ext uri="{BB962C8B-B14F-4D97-AF65-F5344CB8AC3E}">
@@ -13869,4 +15115,265 @@
     </a:ext>
   </a:extLst>
 </a:theme>
+</file>
+
+<file path=ppt/theme/theme2.xml><?xml version="1.0" encoding="utf-8"?>
+<a:theme xmlns:a="http://schemas.openxmlformats.org/drawingml/2006/main" name="Тема Office">
+  <a:themeElements>
+    <a:clrScheme name="Стандартная">
+      <a:dk1>
+        <a:sysClr val="windowText" lastClr="000000"/>
+      </a:dk1>
+      <a:lt1>
+        <a:sysClr val="window" lastClr="FFFFFF"/>
+      </a:lt1>
+      <a:dk2>
+        <a:srgbClr val="44546A"/>
+      </a:dk2>
+      <a:lt2>
+        <a:srgbClr val="E7E6E6"/>
+      </a:lt2>
+      <a:accent1>
+        <a:srgbClr val="5B9BD5"/>
+      </a:accent1>
+      <a:accent2>
+        <a:srgbClr val="ED7D31"/>
+      </a:accent2>
+      <a:accent3>
+        <a:srgbClr val="A5A5A5"/>
+      </a:accent3>
+      <a:accent4>
+        <a:srgbClr val="FFC000"/>
+      </a:accent4>
+      <a:accent5>
+        <a:srgbClr val="4472C4"/>
+      </a:accent5>
+      <a:accent6>
+        <a:srgbClr val="70AD47"/>
+      </a:accent6>
+      <a:hlink>
+        <a:srgbClr val="0563C1"/>
+      </a:hlink>
+      <a:folHlink>
+        <a:srgbClr val="954F72"/>
+      </a:folHlink>
+    </a:clrScheme>
+    <a:fontScheme name="Стандартная">
+      <a:majorFont>
+        <a:latin typeface="Calibri Light" panose="020F0302020204030204"/>
+        <a:ea typeface=""/>
+        <a:cs typeface=""/>
+        <a:font script="Jpan" typeface="游ゴシック Light"/>
+        <a:font script="Hang" typeface="맑은 고딕"/>
+        <a:font script="Hans" typeface="等线 Light"/>
+        <a:font script="Hant" typeface="新細明體"/>
+        <a:font script="Arab" typeface="Times New Roman"/>
+        <a:font script="Hebr" typeface="Times New Roman"/>
+        <a:font script="Thai" typeface="Angsana New"/>
+        <a:font script="Ethi" typeface="Nyala"/>
+        <a:font script="Beng" typeface="Vrinda"/>
+        <a:font script="Gujr" typeface="Shruti"/>
+        <a:font script="Khmr" typeface="MoolBoran"/>
+        <a:font script="Knda" typeface="Tunga"/>
+        <a:font script="Guru" typeface="Raavi"/>
+        <a:font script="Cans" typeface="Euphemia"/>
+        <a:font script="Cher" typeface="Plantagenet Cherokee"/>
+        <a:font script="Yiii" typeface="Microsoft Yi Baiti"/>
+        <a:font script="Tibt" typeface="Microsoft Himalaya"/>
+        <a:font script="Thaa" typeface="MV Boli"/>
+        <a:font script="Deva" typeface="Mangal"/>
+        <a:font script="Telu" typeface="Gautami"/>
+        <a:font script="Taml" typeface="Latha"/>
+        <a:font script="Syrc" typeface="Estrangelo Edessa"/>
+        <a:font script="Orya" typeface="Kalinga"/>
+        <a:font script="Mlym" typeface="Kartika"/>
+        <a:font script="Laoo" typeface="DokChampa"/>
+        <a:font script="Sinh" typeface="Iskoola Pota"/>
+        <a:font script="Mong" typeface="Mongolian Baiti"/>
+        <a:font script="Viet" typeface="Times New Roman"/>
+        <a:font script="Uigh" typeface="Microsoft Uighur"/>
+        <a:font script="Geor" typeface="Sylfaen"/>
+      </a:majorFont>
+      <a:minorFont>
+        <a:latin typeface="Calibri" panose="020F0502020204030204"/>
+        <a:ea typeface=""/>
+        <a:cs typeface=""/>
+        <a:font script="Jpan" typeface="游ゴシック"/>
+        <a:font script="Hang" typeface="맑은 고딕"/>
+        <a:font script="Hans" typeface="等线"/>
+        <a:font script="Hant" typeface="新細明體"/>
+        <a:font script="Arab" typeface="Arial"/>
+        <a:font script="Hebr" typeface="Arial"/>
+        <a:font script="Thai" typeface="Cordia New"/>
+        <a:font script="Ethi" typeface="Nyala"/>
+        <a:font script="Beng" typeface="Vrinda"/>
+        <a:font script="Gujr" typeface="Shruti"/>
+        <a:font script="Khmr" typeface="DaunPenh"/>
+        <a:font script="Knda" typeface="Tunga"/>
+        <a:font script="Guru" typeface="Raavi"/>
+        <a:font script="Cans" typeface="Euphemia"/>
+        <a:font script="Cher" typeface="Plantagenet Cherokee"/>
+        <a:font script="Yiii" typeface="Microsoft Yi Baiti"/>
+        <a:font script="Tibt" typeface="Microsoft Himalaya"/>
+        <a:font script="Thaa" typeface="MV Boli"/>
+        <a:font script="Deva" typeface="Mangal"/>
+        <a:font script="Telu" typeface="Gautami"/>
+        <a:font script="Taml" typeface="Latha"/>
+        <a:font script="Syrc" typeface="Estrangelo Edessa"/>
+        <a:font script="Orya" typeface="Kalinga"/>
+        <a:font script="Mlym" typeface="Kartika"/>
+        <a:font script="Laoo" typeface="DokChampa"/>
+        <a:font script="Sinh" typeface="Iskoola Pota"/>
+        <a:font script="Mong" typeface="Mongolian Baiti"/>
+        <a:font script="Viet" typeface="Arial"/>
+        <a:font script="Uigh" typeface="Microsoft Uighur"/>
+        <a:font script="Geor" typeface="Sylfaen"/>
+      </a:minorFont>
+    </a:fontScheme>
+    <a:fmtScheme name="Стандартная">
+      <a:fillStyleLst>
+        <a:solidFill>
+          <a:schemeClr val="phClr"/>
+        </a:solidFill>
+        <a:gradFill rotWithShape="1">
+          <a:gsLst>
+            <a:gs pos="0">
+              <a:schemeClr val="phClr">
+                <a:lumMod val="110000"/>
+                <a:satMod val="105000"/>
+                <a:tint val="67000"/>
+              </a:schemeClr>
+            </a:gs>
+            <a:gs pos="50000">
+              <a:schemeClr val="phClr">
+                <a:lumMod val="105000"/>
+                <a:satMod val="103000"/>
+                <a:tint val="73000"/>
+              </a:schemeClr>
+            </a:gs>
+            <a:gs pos="100000">
+              <a:schemeClr val="phClr">
+                <a:lumMod val="105000"/>
+                <a:satMod val="109000"/>
+                <a:tint val="81000"/>
+              </a:schemeClr>
+            </a:gs>
+          </a:gsLst>
+          <a:lin ang="5400000" scaled="0"/>
+        </a:gradFill>
+        <a:gradFill rotWithShape="1">
+          <a:gsLst>
+            <a:gs pos="0">
+              <a:schemeClr val="phClr">
+                <a:satMod val="103000"/>
+                <a:lumMod val="102000"/>
+                <a:tint val="94000"/>
+              </a:schemeClr>
+            </a:gs>
+            <a:gs pos="50000">
+              <a:schemeClr val="phClr">
+                <a:satMod val="110000"/>
+                <a:lumMod val="100000"/>
+                <a:shade val="100000"/>
+              </a:schemeClr>
+            </a:gs>
+            <a:gs pos="100000">
+              <a:schemeClr val="phClr">
+                <a:lumMod val="99000"/>
+                <a:satMod val="120000"/>
+                <a:shade val="78000"/>
+              </a:schemeClr>
+            </a:gs>
+          </a:gsLst>
+          <a:lin ang="5400000" scaled="0"/>
+        </a:gradFill>
+      </a:fillStyleLst>
+      <a:lnStyleLst>
+        <a:ln w="6350" cap="flat" cmpd="sng" algn="ctr">
+          <a:solidFill>
+            <a:schemeClr val="phClr"/>
+          </a:solidFill>
+          <a:prstDash val="solid"/>
+          <a:miter lim="800000"/>
+        </a:ln>
+        <a:ln w="12700" cap="flat" cmpd="sng" algn="ctr">
+          <a:solidFill>
+            <a:schemeClr val="phClr"/>
+          </a:solidFill>
+          <a:prstDash val="solid"/>
+          <a:miter lim="800000"/>
+        </a:ln>
+        <a:ln w="19050" cap="flat" cmpd="sng" algn="ctr">
+          <a:solidFill>
+            <a:schemeClr val="phClr"/>
+          </a:solidFill>
+          <a:prstDash val="solid"/>
+          <a:miter lim="800000"/>
+        </a:ln>
+      </a:lnStyleLst>
+      <a:effectStyleLst>
+        <a:effectStyle>
+          <a:effectLst/>
+        </a:effectStyle>
+        <a:effectStyle>
+          <a:effectLst/>
+        </a:effectStyle>
+        <a:effectStyle>
+          <a:effectLst>
+            <a:outerShdw blurRad="57150" dist="19050" dir="5400000" algn="ctr" rotWithShape="0">
+              <a:srgbClr val="000000">
+                <a:alpha val="63000"/>
+              </a:srgbClr>
+            </a:outerShdw>
+          </a:effectLst>
+        </a:effectStyle>
+      </a:effectStyleLst>
+      <a:bgFillStyleLst>
+        <a:solidFill>
+          <a:schemeClr val="phClr"/>
+        </a:solidFill>
+        <a:solidFill>
+          <a:schemeClr val="phClr">
+            <a:tint val="95000"/>
+            <a:satMod val="170000"/>
+          </a:schemeClr>
+        </a:solidFill>
+        <a:gradFill rotWithShape="1">
+          <a:gsLst>
+            <a:gs pos="0">
+              <a:schemeClr val="phClr">
+                <a:tint val="93000"/>
+                <a:satMod val="150000"/>
+                <a:shade val="98000"/>
+                <a:lumMod val="102000"/>
+              </a:schemeClr>
+            </a:gs>
+            <a:gs pos="50000">
+              <a:schemeClr val="phClr">
+                <a:tint val="98000"/>
+                <a:satMod val="130000"/>
+                <a:shade val="90000"/>
+                <a:lumMod val="103000"/>
+              </a:schemeClr>
+            </a:gs>
+            <a:gs pos="100000">
+              <a:schemeClr val="phClr">
+                <a:shade val="63000"/>
+                <a:satMod val="120000"/>
+              </a:schemeClr>
+            </a:gs>
+          </a:gsLst>
+          <a:lin ang="5400000" scaled="0"/>
+        </a:gradFill>
+      </a:bgFillStyleLst>
+    </a:fmtScheme>
+  </a:themeElements>
+  <a:objectDefaults/>
+  <a:extraClrSchemeLst/>
+  <a:extLst>
+    <a:ext uri="{05A4C25C-085E-4340-85A3-A5531E510DB2}">
+      <thm15:themeFamily xmlns:thm15="http://schemas.microsoft.com/office/thememl/2012/main" name="Office Theme" id="{62F939B6-93AF-4DB8-9C6B-D6C7DFDC589F}" vid="{4A3C46E8-61CC-4603-A589-7422A47A8E4A}"/>
+    </a:ext>
+  </a:extLst>
+</a:theme>
 </file>